--- a/docs/Documentation.pptx
+++ b/docs/Documentation.pptx
@@ -7,6 +7,12 @@
   <p:sldIdLst>
     <p:sldId id="256" r:id="rId2"/>
     <p:sldId id="257" r:id="rId3"/>
+    <p:sldId id="261" r:id="rId4"/>
+    <p:sldId id="258" r:id="rId5"/>
+    <p:sldId id="259" r:id="rId6"/>
+    <p:sldId id="260" r:id="rId7"/>
+    <p:sldId id="262" r:id="rId8"/>
+    <p:sldId id="263" r:id="rId9"/>
   </p:sldIdLst>
   <p:sldSz cx="12192000" cy="6858000"/>
   <p:notesSz cx="6858000" cy="9144000"/>
@@ -105,6 +111,11 @@
       </a:defRPr>
     </a:lvl9pPr>
   </p:defaultTextStyle>
+  <p:extLst>
+    <p:ext uri="{EFAFB233-063F-42B5-8137-9DF3F51BA10A}">
+      <p15:sldGuideLst xmlns:p15="http://schemas.microsoft.com/office/powerpoint/2012/main"/>
+    </p:ext>
+  </p:extLst>
 </p:presentation>
 </file>
 
@@ -255,7 +266,7 @@
           <a:p>
             <a:fld id="{D6FDB053-EEE2-42B4-ACDB-4E18D89FFD8D}" type="datetimeFigureOut">
               <a:rPr lang="pt-BR" smtClean="0"/>
-              <a:t>05/07/2019</a:t>
+              <a:t>22/07/2019</a:t>
             </a:fld>
             <a:endParaRPr lang="pt-BR"/>
           </a:p>
@@ -453,7 +464,7 @@
           <a:p>
             <a:fld id="{D6FDB053-EEE2-42B4-ACDB-4E18D89FFD8D}" type="datetimeFigureOut">
               <a:rPr lang="pt-BR" smtClean="0"/>
-              <a:t>05/07/2019</a:t>
+              <a:t>22/07/2019</a:t>
             </a:fld>
             <a:endParaRPr lang="pt-BR"/>
           </a:p>
@@ -661,7 +672,7 @@
           <a:p>
             <a:fld id="{D6FDB053-EEE2-42B4-ACDB-4E18D89FFD8D}" type="datetimeFigureOut">
               <a:rPr lang="pt-BR" smtClean="0"/>
-              <a:t>05/07/2019</a:t>
+              <a:t>22/07/2019</a:t>
             </a:fld>
             <a:endParaRPr lang="pt-BR"/>
           </a:p>
@@ -859,7 +870,7 @@
           <a:p>
             <a:fld id="{D6FDB053-EEE2-42B4-ACDB-4E18D89FFD8D}" type="datetimeFigureOut">
               <a:rPr lang="pt-BR" smtClean="0"/>
-              <a:t>05/07/2019</a:t>
+              <a:t>22/07/2019</a:t>
             </a:fld>
             <a:endParaRPr lang="pt-BR"/>
           </a:p>
@@ -1134,7 +1145,7 @@
           <a:p>
             <a:fld id="{D6FDB053-EEE2-42B4-ACDB-4E18D89FFD8D}" type="datetimeFigureOut">
               <a:rPr lang="pt-BR" smtClean="0"/>
-              <a:t>05/07/2019</a:t>
+              <a:t>22/07/2019</a:t>
             </a:fld>
             <a:endParaRPr lang="pt-BR"/>
           </a:p>
@@ -1399,7 +1410,7 @@
           <a:p>
             <a:fld id="{D6FDB053-EEE2-42B4-ACDB-4E18D89FFD8D}" type="datetimeFigureOut">
               <a:rPr lang="pt-BR" smtClean="0"/>
-              <a:t>05/07/2019</a:t>
+              <a:t>22/07/2019</a:t>
             </a:fld>
             <a:endParaRPr lang="pt-BR"/>
           </a:p>
@@ -1811,7 +1822,7 @@
           <a:p>
             <a:fld id="{D6FDB053-EEE2-42B4-ACDB-4E18D89FFD8D}" type="datetimeFigureOut">
               <a:rPr lang="pt-BR" smtClean="0"/>
-              <a:t>05/07/2019</a:t>
+              <a:t>22/07/2019</a:t>
             </a:fld>
             <a:endParaRPr lang="pt-BR"/>
           </a:p>
@@ -1952,7 +1963,7 @@
           <a:p>
             <a:fld id="{D6FDB053-EEE2-42B4-ACDB-4E18D89FFD8D}" type="datetimeFigureOut">
               <a:rPr lang="pt-BR" smtClean="0"/>
-              <a:t>05/07/2019</a:t>
+              <a:t>22/07/2019</a:t>
             </a:fld>
             <a:endParaRPr lang="pt-BR"/>
           </a:p>
@@ -2065,7 +2076,7 @@
           <a:p>
             <a:fld id="{D6FDB053-EEE2-42B4-ACDB-4E18D89FFD8D}" type="datetimeFigureOut">
               <a:rPr lang="pt-BR" smtClean="0"/>
-              <a:t>05/07/2019</a:t>
+              <a:t>22/07/2019</a:t>
             </a:fld>
             <a:endParaRPr lang="pt-BR"/>
           </a:p>
@@ -2376,7 +2387,7 @@
           <a:p>
             <a:fld id="{D6FDB053-EEE2-42B4-ACDB-4E18D89FFD8D}" type="datetimeFigureOut">
               <a:rPr lang="pt-BR" smtClean="0"/>
-              <a:t>05/07/2019</a:t>
+              <a:t>22/07/2019</a:t>
             </a:fld>
             <a:endParaRPr lang="pt-BR"/>
           </a:p>
@@ -2664,7 +2675,7 @@
           <a:p>
             <a:fld id="{D6FDB053-EEE2-42B4-ACDB-4E18D89FFD8D}" type="datetimeFigureOut">
               <a:rPr lang="pt-BR" smtClean="0"/>
-              <a:t>05/07/2019</a:t>
+              <a:t>22/07/2019</a:t>
             </a:fld>
             <a:endParaRPr lang="pt-BR"/>
           </a:p>
@@ -2905,7 +2916,7 @@
           <a:p>
             <a:fld id="{D6FDB053-EEE2-42B4-ACDB-4E18D89FFD8D}" type="datetimeFigureOut">
               <a:rPr lang="pt-BR" smtClean="0"/>
-              <a:t>05/07/2019</a:t>
+              <a:t>22/07/2019</a:t>
             </a:fld>
             <a:endParaRPr lang="pt-BR"/>
           </a:p>
@@ -3641,7 +3652,7 @@
         </p:nvSpPr>
         <p:spPr>
           <a:xfrm>
-            <a:off x="7827519" y="4350480"/>
+            <a:off x="7884873" y="5387214"/>
             <a:ext cx="1189606" cy="633597"/>
           </a:xfrm>
           <a:prstGeom prst="rect">
@@ -4278,7 +4289,7 @@
         </p:nvSpPr>
         <p:spPr>
           <a:xfrm>
-            <a:off x="7713166" y="3104705"/>
+            <a:off x="7770520" y="4141439"/>
             <a:ext cx="301686" cy="369332"/>
           </a:xfrm>
           <a:prstGeom prst="rect">
@@ -4294,7 +4305,7 @@
           <a:p>
             <a:r>
               <a:rPr lang="pt-BR" dirty="0"/>
-              <a:t>7</a:t>
+              <a:t>8</a:t>
             </a:r>
           </a:p>
         </p:txBody>
@@ -4313,7 +4324,7 @@
         </p:nvSpPr>
         <p:spPr>
           <a:xfrm>
-            <a:off x="7722044" y="4016112"/>
+            <a:off x="7779398" y="5052846"/>
             <a:ext cx="301686" cy="369332"/>
           </a:xfrm>
           <a:prstGeom prst="rect">
@@ -4329,7 +4340,7 @@
           <a:p>
             <a:r>
               <a:rPr lang="pt-BR" dirty="0"/>
-              <a:t>8</a:t>
+              <a:t>9</a:t>
             </a:r>
           </a:p>
         </p:txBody>
@@ -4349,7 +4360,7 @@
         <p:spPr>
           <a:xfrm>
             <a:off x="9431751" y="976524"/>
-            <a:ext cx="301686" cy="369332"/>
+            <a:ext cx="418704" cy="369332"/>
           </a:xfrm>
           <a:prstGeom prst="rect">
             <a:avLst/>
@@ -4364,7 +4375,7 @@
           <a:p>
             <a:r>
               <a:rPr lang="pt-BR" dirty="0"/>
-              <a:t>9</a:t>
+              <a:t>10</a:t>
             </a:r>
           </a:p>
         </p:txBody>
@@ -4399,7 +4410,7 @@
           <a:p>
             <a:r>
               <a:rPr lang="pt-BR" dirty="0"/>
-              <a:t>10</a:t>
+              <a:t>11</a:t>
             </a:r>
           </a:p>
         </p:txBody>
@@ -4434,7 +4445,7 @@
           <a:p>
             <a:r>
               <a:rPr lang="pt-BR" dirty="0"/>
-              <a:t>11</a:t>
+              <a:t>12</a:t>
             </a:r>
           </a:p>
         </p:txBody>
@@ -4469,7 +4480,7 @@
           <a:p>
             <a:r>
               <a:rPr lang="pt-BR" dirty="0"/>
-              <a:t>12</a:t>
+              <a:t>13</a:t>
             </a:r>
           </a:p>
         </p:txBody>
@@ -4504,7 +4515,7 @@
           <a:p>
             <a:r>
               <a:rPr lang="pt-BR" dirty="0"/>
-              <a:t>13</a:t>
+              <a:t>14</a:t>
             </a:r>
           </a:p>
         </p:txBody>
@@ -4539,7 +4550,7 @@
           <a:p>
             <a:r>
               <a:rPr lang="pt-BR" dirty="0"/>
-              <a:t>14</a:t>
+              <a:t>15</a:t>
             </a:r>
           </a:p>
         </p:txBody>
@@ -5426,7 +5437,7 @@
         <p:spPr>
           <a:xfrm>
             <a:off x="7547472" y="3709217"/>
-            <a:ext cx="280047" cy="958062"/>
+            <a:ext cx="337401" cy="1994796"/>
           </a:xfrm>
           <a:prstGeom prst="straightConnector1">
             <a:avLst/>
@@ -5472,7 +5483,7 @@
         <p:spPr>
           <a:xfrm>
             <a:off x="7547472" y="3709217"/>
-            <a:ext cx="281104" cy="6386"/>
+            <a:ext cx="338458" cy="1043120"/>
           </a:xfrm>
           <a:prstGeom prst="straightConnector1">
             <a:avLst/>
@@ -5574,7 +5585,7 @@
         </p:nvSpPr>
         <p:spPr>
           <a:xfrm>
-            <a:off x="7828576" y="3398804"/>
+            <a:off x="7885930" y="4435538"/>
             <a:ext cx="1189606" cy="633597"/>
           </a:xfrm>
           <a:prstGeom prst="rect">
@@ -5632,15 +5643,15 @@
           </p:cNvPr>
           <p:cNvCxnSpPr>
             <a:cxnSpLocks/>
-            <a:stCxn id="98" idx="3"/>
+            <a:stCxn id="65" idx="3"/>
             <a:endCxn id="18" idx="1"/>
           </p:cNvCxnSpPr>
           <p:nvPr/>
         </p:nvCxnSpPr>
         <p:spPr>
           <a:xfrm flipV="1">
-            <a:off x="9018182" y="2459097"/>
-            <a:ext cx="511221" cy="1256506"/>
+            <a:off x="9045793" y="2459097"/>
+            <a:ext cx="483610" cy="1371403"/>
           </a:xfrm>
           <a:prstGeom prst="straightConnector1">
             <a:avLst/>
@@ -5685,8 +5696,8 @@
         </p:nvCxnSpPr>
         <p:spPr>
           <a:xfrm flipV="1">
-            <a:off x="9018182" y="3350144"/>
-            <a:ext cx="511221" cy="365459"/>
+            <a:off x="9075536" y="3350144"/>
+            <a:ext cx="453867" cy="1402193"/>
           </a:xfrm>
           <a:prstGeom prst="straightConnector1">
             <a:avLst/>
@@ -5730,9 +5741,9 @@
           <p:nvPr/>
         </p:nvCxnSpPr>
         <p:spPr>
-          <a:xfrm>
-            <a:off x="9018182" y="3715603"/>
-            <a:ext cx="511221" cy="525587"/>
+          <a:xfrm flipV="1">
+            <a:off x="9075536" y="4241190"/>
+            <a:ext cx="453867" cy="511147"/>
           </a:xfrm>
           <a:prstGeom prst="straightConnector1">
             <a:avLst/>
@@ -5777,8 +5788,8 @@
         </p:nvCxnSpPr>
         <p:spPr>
           <a:xfrm>
-            <a:off x="9018182" y="3715603"/>
-            <a:ext cx="511221" cy="1416634"/>
+            <a:off x="9075536" y="4752337"/>
+            <a:ext cx="453867" cy="379900"/>
           </a:xfrm>
           <a:prstGeom prst="straightConnector1">
             <a:avLst/>
@@ -5823,8 +5834,8 @@
         </p:nvCxnSpPr>
         <p:spPr>
           <a:xfrm>
-            <a:off x="9018182" y="3715603"/>
-            <a:ext cx="511221" cy="2342471"/>
+            <a:off x="9075536" y="4752337"/>
+            <a:ext cx="453867" cy="1305737"/>
           </a:xfrm>
           <a:prstGeom prst="straightConnector1">
             <a:avLst/>
@@ -5897,6 +5908,110 @@
           </a:fontRef>
         </p:style>
       </p:cxnSp>
+      <p:sp>
+        <p:nvSpPr>
+          <p:cNvPr id="65" name="Retângulo 64">
+            <a:extLst>
+              <a:ext uri="{FF2B5EF4-FFF2-40B4-BE49-F238E27FC236}">
+                <a16:creationId xmlns:a16="http://schemas.microsoft.com/office/drawing/2014/main" id="{22857A84-BC16-4396-B1EE-693AD963F315}"/>
+              </a:ext>
+            </a:extLst>
+          </p:cNvPr>
+          <p:cNvSpPr/>
+          <p:nvPr/>
+        </p:nvSpPr>
+        <p:spPr>
+          <a:xfrm>
+            <a:off x="7856186" y="3513701"/>
+            <a:ext cx="1189607" cy="633597"/>
+          </a:xfrm>
+          <a:prstGeom prst="rect">
+            <a:avLst/>
+          </a:prstGeom>
+          <a:solidFill>
+            <a:schemeClr val="bg1"/>
+          </a:solidFill>
+          <a:ln w="28575">
+            <a:solidFill>
+              <a:srgbClr val="E2AC00"/>
+            </a:solidFill>
+          </a:ln>
+        </p:spPr>
+        <p:style>
+          <a:lnRef idx="2">
+            <a:schemeClr val="accent1">
+              <a:shade val="50000"/>
+            </a:schemeClr>
+          </a:lnRef>
+          <a:fillRef idx="1">
+            <a:schemeClr val="accent1"/>
+          </a:fillRef>
+          <a:effectRef idx="0">
+            <a:schemeClr val="accent1"/>
+          </a:effectRef>
+          <a:fontRef idx="minor">
+            <a:schemeClr val="lt1"/>
+          </a:fontRef>
+        </p:style>
+        <p:txBody>
+          <a:bodyPr rtlCol="0" anchor="ctr"/>
+          <a:lstStyle/>
+          <a:p>
+            <a:pPr algn="ctr"/>
+            <a:r>
+              <a:rPr lang="pt-BR" dirty="0" err="1">
+                <a:solidFill>
+                  <a:schemeClr val="tx1"/>
+                </a:solidFill>
+              </a:rPr>
+              <a:t>Assets</a:t>
+            </a:r>
+            <a:r>
+              <a:rPr lang="pt-BR" dirty="0">
+                <a:solidFill>
+                  <a:schemeClr val="tx1"/>
+                </a:solidFill>
+              </a:rPr>
+              <a:t> Manager</a:t>
+            </a:r>
+          </a:p>
+        </p:txBody>
+      </p:sp>
+      <p:sp>
+        <p:nvSpPr>
+          <p:cNvPr id="73" name="CaixaDeTexto 72">
+            <a:extLst>
+              <a:ext uri="{FF2B5EF4-FFF2-40B4-BE49-F238E27FC236}">
+                <a16:creationId xmlns:a16="http://schemas.microsoft.com/office/drawing/2014/main" id="{3A30D94A-1FBF-4D25-BCA0-608FD25A9E78}"/>
+              </a:ext>
+            </a:extLst>
+          </p:cNvPr>
+          <p:cNvSpPr txBox="1"/>
+          <p:nvPr/>
+        </p:nvSpPr>
+        <p:spPr>
+          <a:xfrm>
+            <a:off x="7770520" y="3202473"/>
+            <a:ext cx="301686" cy="369332"/>
+          </a:xfrm>
+          <a:prstGeom prst="rect">
+            <a:avLst/>
+          </a:prstGeom>
+          <a:noFill/>
+        </p:spPr>
+        <p:txBody>
+          <a:bodyPr wrap="none" rtlCol="0">
+            <a:spAutoFit/>
+          </a:bodyPr>
+          <a:lstStyle/>
+          <a:p>
+            <a:r>
+              <a:rPr lang="pt-BR" dirty="0"/>
+              <a:t>7</a:t>
+            </a:r>
+          </a:p>
+        </p:txBody>
+      </p:sp>
     </p:spTree>
     <p:extLst>
       <p:ext uri="{BB962C8B-B14F-4D97-AF65-F5344CB8AC3E}">
@@ -6063,7 +6178,256 @@
         </p:nvSpPr>
         <p:spPr>
           <a:xfrm>
-            <a:off x="3435401" y="1964952"/>
+            <a:off x="3429986" y="1964179"/>
+            <a:ext cx="1189606" cy="633596"/>
+          </a:xfrm>
+          <a:prstGeom prst="rect">
+            <a:avLst/>
+          </a:prstGeom>
+          <a:solidFill>
+            <a:schemeClr val="bg1"/>
+          </a:solidFill>
+          <a:ln w="28575">
+            <a:solidFill>
+              <a:srgbClr val="9E0000"/>
+            </a:solidFill>
+          </a:ln>
+        </p:spPr>
+        <p:style>
+          <a:lnRef idx="2">
+            <a:schemeClr val="accent1">
+              <a:shade val="50000"/>
+            </a:schemeClr>
+          </a:lnRef>
+          <a:fillRef idx="1">
+            <a:schemeClr val="accent1"/>
+          </a:fillRef>
+          <a:effectRef idx="0">
+            <a:schemeClr val="accent1"/>
+          </a:effectRef>
+          <a:fontRef idx="minor">
+            <a:schemeClr val="lt1"/>
+          </a:fontRef>
+        </p:style>
+        <p:txBody>
+          <a:bodyPr rtlCol="0" anchor="ctr"/>
+          <a:lstStyle/>
+          <a:p>
+            <a:pPr algn="ctr"/>
+            <a:r>
+              <a:rPr lang="pt-BR" dirty="0" err="1">
+                <a:solidFill>
+                  <a:schemeClr val="tx1"/>
+                </a:solidFill>
+              </a:rPr>
+              <a:t>Controller</a:t>
+            </a:r>
+            <a:endParaRPr lang="pt-BR" dirty="0">
+              <a:solidFill>
+                <a:schemeClr val="tx1"/>
+              </a:solidFill>
+            </a:endParaRPr>
+          </a:p>
+        </p:txBody>
+      </p:sp>
+      <p:sp>
+        <p:nvSpPr>
+          <p:cNvPr id="9" name="Retângulo 8">
+            <a:extLst>
+              <a:ext uri="{FF2B5EF4-FFF2-40B4-BE49-F238E27FC236}">
+                <a16:creationId xmlns:a16="http://schemas.microsoft.com/office/drawing/2014/main" id="{32E98450-69F1-4B11-8D0A-2EE75064462C}"/>
+              </a:ext>
+            </a:extLst>
+          </p:cNvPr>
+          <p:cNvSpPr/>
+          <p:nvPr/>
+        </p:nvSpPr>
+        <p:spPr>
+          <a:xfrm>
+            <a:off x="8335569" y="2489034"/>
+            <a:ext cx="1189606" cy="633596"/>
+          </a:xfrm>
+          <a:prstGeom prst="rect">
+            <a:avLst/>
+          </a:prstGeom>
+          <a:solidFill>
+            <a:schemeClr val="bg1"/>
+          </a:solidFill>
+          <a:ln w="28575">
+            <a:solidFill>
+              <a:srgbClr val="DE0000"/>
+            </a:solidFill>
+          </a:ln>
+        </p:spPr>
+        <p:style>
+          <a:lnRef idx="2">
+            <a:schemeClr val="accent1">
+              <a:shade val="50000"/>
+            </a:schemeClr>
+          </a:lnRef>
+          <a:fillRef idx="1">
+            <a:schemeClr val="accent1"/>
+          </a:fillRef>
+          <a:effectRef idx="0">
+            <a:schemeClr val="accent1"/>
+          </a:effectRef>
+          <a:fontRef idx="minor">
+            <a:schemeClr val="lt1"/>
+          </a:fontRef>
+        </p:style>
+        <p:txBody>
+          <a:bodyPr rtlCol="0" anchor="ctr"/>
+          <a:lstStyle/>
+          <a:p>
+            <a:pPr algn="ctr"/>
+            <a:r>
+              <a:rPr lang="pt-BR" dirty="0">
+                <a:solidFill>
+                  <a:schemeClr val="tx1"/>
+                </a:solidFill>
+              </a:rPr>
+              <a:t>Agent</a:t>
+            </a:r>
+          </a:p>
+        </p:txBody>
+      </p:sp>
+      <p:sp>
+        <p:nvSpPr>
+          <p:cNvPr id="10" name="Retângulo 9">
+            <a:extLst>
+              <a:ext uri="{FF2B5EF4-FFF2-40B4-BE49-F238E27FC236}">
+                <a16:creationId xmlns:a16="http://schemas.microsoft.com/office/drawing/2014/main" id="{C01A0085-9B42-4AAF-A223-BA5B54CBA2F5}"/>
+              </a:ext>
+            </a:extLst>
+          </p:cNvPr>
+          <p:cNvSpPr/>
+          <p:nvPr/>
+        </p:nvSpPr>
+        <p:spPr>
+          <a:xfrm>
+            <a:off x="6727649" y="1540614"/>
+            <a:ext cx="1189606" cy="633596"/>
+          </a:xfrm>
+          <a:prstGeom prst="rect">
+            <a:avLst/>
+          </a:prstGeom>
+          <a:solidFill>
+            <a:schemeClr val="bg1"/>
+          </a:solidFill>
+          <a:ln w="28575">
+            <a:solidFill>
+              <a:srgbClr val="E2AC00"/>
+            </a:solidFill>
+          </a:ln>
+        </p:spPr>
+        <p:style>
+          <a:lnRef idx="2">
+            <a:schemeClr val="accent1">
+              <a:shade val="50000"/>
+            </a:schemeClr>
+          </a:lnRef>
+          <a:fillRef idx="1">
+            <a:schemeClr val="accent1"/>
+          </a:fillRef>
+          <a:effectRef idx="0">
+            <a:schemeClr val="accent1"/>
+          </a:effectRef>
+          <a:fontRef idx="minor">
+            <a:schemeClr val="lt1"/>
+          </a:fontRef>
+        </p:style>
+        <p:txBody>
+          <a:bodyPr rtlCol="0" anchor="ctr"/>
+          <a:lstStyle/>
+          <a:p>
+            <a:pPr algn="ctr"/>
+            <a:r>
+              <a:rPr lang="pt-BR" dirty="0">
+                <a:solidFill>
+                  <a:schemeClr val="tx1"/>
+                </a:solidFill>
+              </a:rPr>
+              <a:t>Sockets Manager</a:t>
+            </a:r>
+          </a:p>
+        </p:txBody>
+      </p:sp>
+      <p:sp>
+        <p:nvSpPr>
+          <p:cNvPr id="11" name="Retângulo 10">
+            <a:extLst>
+              <a:ext uri="{FF2B5EF4-FFF2-40B4-BE49-F238E27FC236}">
+                <a16:creationId xmlns:a16="http://schemas.microsoft.com/office/drawing/2014/main" id="{3B9F50F1-9A69-48BE-964A-3A21C5BD067D}"/>
+              </a:ext>
+            </a:extLst>
+          </p:cNvPr>
+          <p:cNvSpPr/>
+          <p:nvPr/>
+        </p:nvSpPr>
+        <p:spPr>
+          <a:xfrm>
+            <a:off x="6732818" y="2480160"/>
+            <a:ext cx="1189606" cy="633596"/>
+          </a:xfrm>
+          <a:prstGeom prst="rect">
+            <a:avLst/>
+          </a:prstGeom>
+          <a:solidFill>
+            <a:schemeClr val="bg1"/>
+          </a:solidFill>
+          <a:ln w="28575">
+            <a:solidFill>
+              <a:srgbClr val="E2AC00"/>
+            </a:solidFill>
+          </a:ln>
+        </p:spPr>
+        <p:style>
+          <a:lnRef idx="2">
+            <a:schemeClr val="accent1">
+              <a:shade val="50000"/>
+            </a:schemeClr>
+          </a:lnRef>
+          <a:fillRef idx="1">
+            <a:schemeClr val="accent1"/>
+          </a:fillRef>
+          <a:effectRef idx="0">
+            <a:schemeClr val="accent1"/>
+          </a:effectRef>
+          <a:fontRef idx="minor">
+            <a:schemeClr val="lt1"/>
+          </a:fontRef>
+        </p:style>
+        <p:txBody>
+          <a:bodyPr rtlCol="0" anchor="ctr"/>
+          <a:lstStyle/>
+          <a:p>
+            <a:pPr algn="ctr"/>
+            <a:r>
+              <a:rPr lang="pt-BR" dirty="0">
+                <a:solidFill>
+                  <a:schemeClr val="tx1"/>
+                </a:solidFill>
+              </a:rPr>
+              <a:t>Agents Manager</a:t>
+            </a:r>
+          </a:p>
+        </p:txBody>
+      </p:sp>
+      <p:sp>
+        <p:nvSpPr>
+          <p:cNvPr id="12" name="Retângulo 11">
+            <a:extLst>
+              <a:ext uri="{FF2B5EF4-FFF2-40B4-BE49-F238E27FC236}">
+                <a16:creationId xmlns:a16="http://schemas.microsoft.com/office/drawing/2014/main" id="{FE439D28-B492-4A7C-AA35-AA6D20A971A6}"/>
+              </a:ext>
+            </a:extLst>
+          </p:cNvPr>
+          <p:cNvSpPr/>
+          <p:nvPr/>
+        </p:nvSpPr>
+        <p:spPr>
+          <a:xfrm>
+            <a:off x="5125627" y="2305121"/>
             <a:ext cx="1189606" cy="633596"/>
           </a:xfrm>
           <a:prstGeom prst="rect">
@@ -6100,267 +6464,13 @@
           <a:p>
             <a:pPr algn="ctr"/>
             <a:r>
-              <a:rPr lang="pt-BR" dirty="0" err="1">
-                <a:solidFill>
-                  <a:schemeClr val="tx1"/>
-                </a:solidFill>
-              </a:rPr>
-              <a:t>Helper</a:t>
-            </a:r>
-            <a:endParaRPr lang="pt-BR" dirty="0">
-              <a:solidFill>
-                <a:schemeClr val="tx1"/>
-              </a:solidFill>
-            </a:endParaRPr>
-          </a:p>
-        </p:txBody>
-      </p:sp>
-      <p:sp>
-        <p:nvSpPr>
-          <p:cNvPr id="9" name="Retângulo 8">
-            <a:extLst>
-              <a:ext uri="{FF2B5EF4-FFF2-40B4-BE49-F238E27FC236}">
-                <a16:creationId xmlns:a16="http://schemas.microsoft.com/office/drawing/2014/main" id="{32E98450-69F1-4B11-8D0A-2EE75064462C}"/>
-              </a:ext>
-            </a:extLst>
-          </p:cNvPr>
-          <p:cNvSpPr/>
-          <p:nvPr/>
-        </p:nvSpPr>
-        <p:spPr>
-          <a:xfrm>
-            <a:off x="8331129" y="2533681"/>
-            <a:ext cx="1189606" cy="633596"/>
-          </a:xfrm>
-          <a:prstGeom prst="rect">
-            <a:avLst/>
-          </a:prstGeom>
-          <a:solidFill>
-            <a:schemeClr val="bg1"/>
-          </a:solidFill>
-          <a:ln w="28575">
-            <a:solidFill>
-              <a:srgbClr val="DE0000"/>
-            </a:solidFill>
-          </a:ln>
-        </p:spPr>
-        <p:style>
-          <a:lnRef idx="2">
-            <a:schemeClr val="accent1">
-              <a:shade val="50000"/>
-            </a:schemeClr>
-          </a:lnRef>
-          <a:fillRef idx="1">
-            <a:schemeClr val="accent1"/>
-          </a:fillRef>
-          <a:effectRef idx="0">
-            <a:schemeClr val="accent1"/>
-          </a:effectRef>
-          <a:fontRef idx="minor">
-            <a:schemeClr val="lt1"/>
-          </a:fontRef>
-        </p:style>
-        <p:txBody>
-          <a:bodyPr rtlCol="0" anchor="ctr"/>
-          <a:lstStyle/>
-          <a:p>
-            <a:pPr algn="ctr"/>
-            <a:r>
               <a:rPr lang="pt-BR" dirty="0">
                 <a:solidFill>
                   <a:schemeClr val="tx1"/>
                 </a:solidFill>
               </a:rPr>
-              <a:t>Agent</a:t>
-            </a:r>
-          </a:p>
-        </p:txBody>
-      </p:sp>
-      <p:sp>
-        <p:nvSpPr>
-          <p:cNvPr id="10" name="Retângulo 9">
-            <a:extLst>
-              <a:ext uri="{FF2B5EF4-FFF2-40B4-BE49-F238E27FC236}">
-                <a16:creationId xmlns:a16="http://schemas.microsoft.com/office/drawing/2014/main" id="{C01A0085-9B42-4AAF-A223-BA5B54CBA2F5}"/>
-              </a:ext>
-            </a:extLst>
-          </p:cNvPr>
-          <p:cNvSpPr/>
-          <p:nvPr/>
-        </p:nvSpPr>
-        <p:spPr>
-          <a:xfrm>
-            <a:off x="6728378" y="1434628"/>
-            <a:ext cx="1189606" cy="633596"/>
-          </a:xfrm>
-          <a:prstGeom prst="rect">
-            <a:avLst/>
-          </a:prstGeom>
-          <a:solidFill>
-            <a:schemeClr val="bg1"/>
-          </a:solidFill>
-          <a:ln w="28575">
-            <a:solidFill>
-              <a:srgbClr val="E2AC00"/>
-            </a:solidFill>
-          </a:ln>
-        </p:spPr>
-        <p:style>
-          <a:lnRef idx="2">
-            <a:schemeClr val="accent1">
-              <a:shade val="50000"/>
-            </a:schemeClr>
-          </a:lnRef>
-          <a:fillRef idx="1">
-            <a:schemeClr val="accent1"/>
-          </a:fillRef>
-          <a:effectRef idx="0">
-            <a:schemeClr val="accent1"/>
-          </a:effectRef>
-          <a:fontRef idx="minor">
-            <a:schemeClr val="lt1"/>
-          </a:fontRef>
-        </p:style>
-        <p:txBody>
-          <a:bodyPr rtlCol="0" anchor="ctr"/>
-          <a:lstStyle/>
-          <a:p>
-            <a:pPr algn="ctr"/>
-            <a:r>
-              <a:rPr lang="pt-BR" dirty="0">
-                <a:solidFill>
-                  <a:schemeClr val="tx1"/>
-                </a:solidFill>
-              </a:rPr>
-              <a:t>Sockets Manager</a:t>
-            </a:r>
-          </a:p>
-        </p:txBody>
-      </p:sp>
-      <p:sp>
-        <p:nvSpPr>
-          <p:cNvPr id="11" name="Retângulo 10">
-            <a:extLst>
-              <a:ext uri="{FF2B5EF4-FFF2-40B4-BE49-F238E27FC236}">
-                <a16:creationId xmlns:a16="http://schemas.microsoft.com/office/drawing/2014/main" id="{3B9F50F1-9A69-48BE-964A-3A21C5BD067D}"/>
-              </a:ext>
-            </a:extLst>
-          </p:cNvPr>
-          <p:cNvSpPr/>
-          <p:nvPr/>
-        </p:nvSpPr>
-        <p:spPr>
-          <a:xfrm>
-            <a:off x="6728378" y="2524807"/>
-            <a:ext cx="1189606" cy="633596"/>
-          </a:xfrm>
-          <a:prstGeom prst="rect">
-            <a:avLst/>
-          </a:prstGeom>
-          <a:solidFill>
-            <a:schemeClr val="bg1"/>
-          </a:solidFill>
-          <a:ln w="28575">
-            <a:solidFill>
-              <a:srgbClr val="E2AC00"/>
-            </a:solidFill>
-          </a:ln>
-        </p:spPr>
-        <p:style>
-          <a:lnRef idx="2">
-            <a:schemeClr val="accent1">
-              <a:shade val="50000"/>
-            </a:schemeClr>
-          </a:lnRef>
-          <a:fillRef idx="1">
-            <a:schemeClr val="accent1"/>
-          </a:fillRef>
-          <a:effectRef idx="0">
-            <a:schemeClr val="accent1"/>
-          </a:effectRef>
-          <a:fontRef idx="minor">
-            <a:schemeClr val="lt1"/>
-          </a:fontRef>
-        </p:style>
-        <p:txBody>
-          <a:bodyPr rtlCol="0" anchor="ctr"/>
-          <a:lstStyle/>
-          <a:p>
-            <a:pPr algn="ctr"/>
-            <a:r>
-              <a:rPr lang="pt-BR" dirty="0">
-                <a:solidFill>
-                  <a:schemeClr val="tx1"/>
-                </a:solidFill>
-              </a:rPr>
-              <a:t>Agents Manager</a:t>
-            </a:r>
-          </a:p>
-        </p:txBody>
-      </p:sp>
-      <p:sp>
-        <p:nvSpPr>
-          <p:cNvPr id="12" name="Retângulo 11">
-            <a:extLst>
-              <a:ext uri="{FF2B5EF4-FFF2-40B4-BE49-F238E27FC236}">
-                <a16:creationId xmlns:a16="http://schemas.microsoft.com/office/drawing/2014/main" id="{FE439D28-B492-4A7C-AA35-AA6D20A971A6}"/>
-              </a:ext>
-            </a:extLst>
-          </p:cNvPr>
-          <p:cNvSpPr/>
-          <p:nvPr/>
-        </p:nvSpPr>
-        <p:spPr>
-          <a:xfrm>
-            <a:off x="5125627" y="1978219"/>
-            <a:ext cx="1189606" cy="633596"/>
-          </a:xfrm>
-          <a:prstGeom prst="rect">
-            <a:avLst/>
-          </a:prstGeom>
-          <a:solidFill>
-            <a:schemeClr val="bg1"/>
-          </a:solidFill>
-          <a:ln w="28575">
-            <a:solidFill>
-              <a:srgbClr val="9E0000"/>
-            </a:solidFill>
-          </a:ln>
-        </p:spPr>
-        <p:style>
-          <a:lnRef idx="2">
-            <a:schemeClr val="accent1">
-              <a:shade val="50000"/>
-            </a:schemeClr>
-          </a:lnRef>
-          <a:fillRef idx="1">
-            <a:schemeClr val="accent1"/>
-          </a:fillRef>
-          <a:effectRef idx="0">
-            <a:schemeClr val="accent1"/>
-          </a:effectRef>
-          <a:fontRef idx="minor">
-            <a:schemeClr val="lt1"/>
-          </a:fontRef>
-        </p:style>
-        <p:txBody>
-          <a:bodyPr rtlCol="0" anchor="ctr"/>
-          <a:lstStyle/>
-          <a:p>
-            <a:pPr algn="ctr"/>
-            <a:r>
-              <a:rPr lang="pt-BR" dirty="0" err="1">
-                <a:solidFill>
-                  <a:schemeClr val="tx1"/>
-                </a:solidFill>
-              </a:rPr>
-              <a:t>Controller</a:t>
-            </a:r>
-            <a:endParaRPr lang="pt-BR" dirty="0">
-              <a:solidFill>
-                <a:schemeClr val="tx1"/>
-              </a:solidFill>
-            </a:endParaRPr>
+              <a:t>Manager</a:t>
+            </a:r>
           </a:p>
         </p:txBody>
       </p:sp>
@@ -6483,7 +6593,7 @@
         </p:nvSpPr>
         <p:spPr>
           <a:xfrm>
-            <a:off x="5032737" y="1690103"/>
+            <a:off x="5033466" y="1992345"/>
             <a:ext cx="301686" cy="369332"/>
           </a:xfrm>
           <a:prstGeom prst="rect">
@@ -6518,7 +6628,7 @@
         </p:nvSpPr>
         <p:spPr>
           <a:xfrm>
-            <a:off x="6621925" y="1145139"/>
+            <a:off x="6621196" y="1251125"/>
             <a:ext cx="301686" cy="369332"/>
           </a:xfrm>
           <a:prstGeom prst="rect">
@@ -6553,7 +6663,7 @@
         </p:nvSpPr>
         <p:spPr>
           <a:xfrm>
-            <a:off x="6616756" y="2240843"/>
+            <a:off x="6621196" y="2196196"/>
             <a:ext cx="301686" cy="369332"/>
           </a:xfrm>
           <a:prstGeom prst="rect">
@@ -6588,7 +6698,7 @@
         </p:nvSpPr>
         <p:spPr>
           <a:xfrm>
-            <a:off x="8232249" y="2246972"/>
+            <a:off x="8236689" y="2202325"/>
             <a:ext cx="301686" cy="369332"/>
           </a:xfrm>
           <a:prstGeom prst="rect">
@@ -6604,7 +6714,7 @@
           <a:p>
             <a:r>
               <a:rPr lang="pt-BR" dirty="0"/>
-              <a:t>7</a:t>
+              <a:t>8</a:t>
             </a:r>
           </a:p>
         </p:txBody>
@@ -6626,8 +6736,8 @@
         </p:nvCxnSpPr>
         <p:spPr>
           <a:xfrm flipV="1">
-            <a:off x="3061477" y="2281750"/>
-            <a:ext cx="373924" cy="568729"/>
+            <a:off x="3061477" y="2280977"/>
+            <a:ext cx="368509" cy="569502"/>
           </a:xfrm>
           <a:prstGeom prst="straightConnector1">
             <a:avLst/>
@@ -6716,8 +6826,8 @@
         </p:nvCxnSpPr>
         <p:spPr>
           <a:xfrm>
-            <a:off x="4625007" y="2281750"/>
-            <a:ext cx="500620" cy="13267"/>
+            <a:off x="4619592" y="2280977"/>
+            <a:ext cx="506035" cy="340942"/>
           </a:xfrm>
           <a:prstGeom prst="straightConnector1">
             <a:avLst/>
@@ -6761,8 +6871,8 @@
         </p:nvCxnSpPr>
         <p:spPr>
           <a:xfrm flipV="1">
-            <a:off x="6315233" y="1751426"/>
-            <a:ext cx="413145" cy="543591"/>
+            <a:off x="6315233" y="1857412"/>
+            <a:ext cx="412416" cy="764507"/>
           </a:xfrm>
           <a:prstGeom prst="straightConnector1">
             <a:avLst/>
@@ -6806,8 +6916,8 @@
         </p:nvCxnSpPr>
         <p:spPr>
           <a:xfrm>
-            <a:off x="6315233" y="2295017"/>
-            <a:ext cx="413145" cy="546588"/>
+            <a:off x="6315233" y="2621919"/>
+            <a:ext cx="417585" cy="175039"/>
           </a:xfrm>
           <a:prstGeom prst="straightConnector1">
             <a:avLst/>
@@ -6851,7 +6961,7 @@
         </p:nvCxnSpPr>
         <p:spPr>
           <a:xfrm>
-            <a:off x="7917984" y="2841605"/>
+            <a:off x="7922424" y="2796958"/>
             <a:ext cx="413145" cy="8874"/>
           </a:xfrm>
           <a:prstGeom prst="straightConnector1">
@@ -7116,7 +7226,7 @@
         </p:nvSpPr>
         <p:spPr>
           <a:xfrm>
-            <a:off x="5436398" y="3660550"/>
+            <a:off x="5436397" y="4250628"/>
             <a:ext cx="3434915" cy="830997"/>
           </a:xfrm>
           <a:prstGeom prst="rect">
@@ -7153,7 +7263,7 @@
         </p:nvCxnSpPr>
         <p:spPr>
           <a:xfrm>
-            <a:off x="5436397" y="4491547"/>
+            <a:off x="5436397" y="4899835"/>
             <a:ext cx="3434915" cy="0"/>
           </a:xfrm>
           <a:prstGeom prst="line">
@@ -7348,10 +7458,1920 @@
           </a:p>
         </p:txBody>
       </p:sp>
+      <p:cxnSp>
+        <p:nvCxnSpPr>
+          <p:cNvPr id="3" name="Conector de Seta Reta 2">
+            <a:extLst>
+              <a:ext uri="{FF2B5EF4-FFF2-40B4-BE49-F238E27FC236}">
+                <a16:creationId xmlns:a16="http://schemas.microsoft.com/office/drawing/2014/main" id="{D9D82851-744A-4926-9D50-040C258A09F6}"/>
+              </a:ext>
+            </a:extLst>
+          </p:cNvPr>
+          <p:cNvCxnSpPr>
+            <a:stCxn id="5" idx="3"/>
+            <a:endCxn id="12" idx="1"/>
+          </p:cNvCxnSpPr>
+          <p:nvPr/>
+        </p:nvCxnSpPr>
+        <p:spPr>
+          <a:xfrm flipV="1">
+            <a:off x="3061477" y="2621919"/>
+            <a:ext cx="2064150" cy="228560"/>
+          </a:xfrm>
+          <a:prstGeom prst="straightConnector1">
+            <a:avLst/>
+          </a:prstGeom>
+          <a:ln w="6350">
+            <a:solidFill>
+              <a:schemeClr val="tx1"/>
+            </a:solidFill>
+            <a:tailEnd type="triangle"/>
+          </a:ln>
+        </p:spPr>
+        <p:style>
+          <a:lnRef idx="1">
+            <a:schemeClr val="accent1"/>
+          </a:lnRef>
+          <a:fillRef idx="0">
+            <a:schemeClr val="accent1"/>
+          </a:fillRef>
+          <a:effectRef idx="0">
+            <a:schemeClr val="accent1"/>
+          </a:effectRef>
+          <a:fontRef idx="minor">
+            <a:schemeClr val="tx1"/>
+          </a:fontRef>
+        </p:style>
+      </p:cxnSp>
+      <p:sp>
+        <p:nvSpPr>
+          <p:cNvPr id="47" name="Retângulo 46">
+            <a:extLst>
+              <a:ext uri="{FF2B5EF4-FFF2-40B4-BE49-F238E27FC236}">
+                <a16:creationId xmlns:a16="http://schemas.microsoft.com/office/drawing/2014/main" id="{28546B64-54B0-4C1A-8910-A8DD442DC66D}"/>
+              </a:ext>
+            </a:extLst>
+          </p:cNvPr>
+          <p:cNvSpPr/>
+          <p:nvPr/>
+        </p:nvSpPr>
+        <p:spPr>
+          <a:xfrm>
+            <a:off x="6727649" y="3525678"/>
+            <a:ext cx="1189606" cy="633596"/>
+          </a:xfrm>
+          <a:prstGeom prst="rect">
+            <a:avLst/>
+          </a:prstGeom>
+          <a:solidFill>
+            <a:schemeClr val="bg1"/>
+          </a:solidFill>
+          <a:ln w="28575">
+            <a:solidFill>
+              <a:srgbClr val="E2AC00"/>
+            </a:solidFill>
+          </a:ln>
+        </p:spPr>
+        <p:style>
+          <a:lnRef idx="2">
+            <a:schemeClr val="accent1">
+              <a:shade val="50000"/>
+            </a:schemeClr>
+          </a:lnRef>
+          <a:fillRef idx="1">
+            <a:schemeClr val="accent1"/>
+          </a:fillRef>
+          <a:effectRef idx="0">
+            <a:schemeClr val="accent1"/>
+          </a:effectRef>
+          <a:fontRef idx="minor">
+            <a:schemeClr val="lt1"/>
+          </a:fontRef>
+        </p:style>
+        <p:txBody>
+          <a:bodyPr rtlCol="0" anchor="ctr"/>
+          <a:lstStyle/>
+          <a:p>
+            <a:pPr algn="ctr"/>
+            <a:r>
+              <a:rPr lang="pt-BR" dirty="0" err="1">
+                <a:solidFill>
+                  <a:schemeClr val="tx1"/>
+                </a:solidFill>
+              </a:rPr>
+              <a:t>Assets</a:t>
+            </a:r>
+            <a:r>
+              <a:rPr lang="pt-BR" dirty="0">
+                <a:solidFill>
+                  <a:schemeClr val="tx1"/>
+                </a:solidFill>
+              </a:rPr>
+              <a:t> Manager</a:t>
+            </a:r>
+          </a:p>
+        </p:txBody>
+      </p:sp>
+      <p:sp>
+        <p:nvSpPr>
+          <p:cNvPr id="48" name="Retângulo 47">
+            <a:extLst>
+              <a:ext uri="{FF2B5EF4-FFF2-40B4-BE49-F238E27FC236}">
+                <a16:creationId xmlns:a16="http://schemas.microsoft.com/office/drawing/2014/main" id="{0C8A435B-3624-4F53-B018-8B8021D1B9C9}"/>
+              </a:ext>
+            </a:extLst>
+          </p:cNvPr>
+          <p:cNvSpPr/>
+          <p:nvPr/>
+        </p:nvSpPr>
+        <p:spPr>
+          <a:xfrm>
+            <a:off x="8335569" y="3521093"/>
+            <a:ext cx="1189606" cy="633596"/>
+          </a:xfrm>
+          <a:prstGeom prst="rect">
+            <a:avLst/>
+          </a:prstGeom>
+          <a:solidFill>
+            <a:schemeClr val="bg1"/>
+          </a:solidFill>
+          <a:ln w="28575">
+            <a:solidFill>
+              <a:srgbClr val="DE0000"/>
+            </a:solidFill>
+          </a:ln>
+        </p:spPr>
+        <p:style>
+          <a:lnRef idx="2">
+            <a:schemeClr val="accent1">
+              <a:shade val="50000"/>
+            </a:schemeClr>
+          </a:lnRef>
+          <a:fillRef idx="1">
+            <a:schemeClr val="accent1"/>
+          </a:fillRef>
+          <a:effectRef idx="0">
+            <a:schemeClr val="accent1"/>
+          </a:effectRef>
+          <a:fontRef idx="minor">
+            <a:schemeClr val="lt1"/>
+          </a:fontRef>
+        </p:style>
+        <p:txBody>
+          <a:bodyPr rtlCol="0" anchor="ctr"/>
+          <a:lstStyle/>
+          <a:p>
+            <a:pPr algn="ctr"/>
+            <a:r>
+              <a:rPr lang="pt-BR" dirty="0">
+                <a:solidFill>
+                  <a:schemeClr val="tx1"/>
+                </a:solidFill>
+              </a:rPr>
+              <a:t>Social </a:t>
+            </a:r>
+            <a:r>
+              <a:rPr lang="pt-BR" dirty="0" err="1">
+                <a:solidFill>
+                  <a:schemeClr val="tx1"/>
+                </a:solidFill>
+              </a:rPr>
+              <a:t>Asset</a:t>
+            </a:r>
+            <a:endParaRPr lang="pt-BR" dirty="0">
+              <a:solidFill>
+                <a:schemeClr val="tx1"/>
+              </a:solidFill>
+            </a:endParaRPr>
+          </a:p>
+        </p:txBody>
+      </p:sp>
+      <p:cxnSp>
+        <p:nvCxnSpPr>
+          <p:cNvPr id="43" name="Conector de Seta Reta 42">
+            <a:extLst>
+              <a:ext uri="{FF2B5EF4-FFF2-40B4-BE49-F238E27FC236}">
+                <a16:creationId xmlns:a16="http://schemas.microsoft.com/office/drawing/2014/main" id="{EFD6CD41-6D54-4C08-A6B1-D066F4D3C12E}"/>
+              </a:ext>
+            </a:extLst>
+          </p:cNvPr>
+          <p:cNvCxnSpPr>
+            <a:stCxn id="12" idx="3"/>
+            <a:endCxn id="47" idx="1"/>
+          </p:cNvCxnSpPr>
+          <p:nvPr/>
+        </p:nvCxnSpPr>
+        <p:spPr>
+          <a:xfrm>
+            <a:off x="6315233" y="2621919"/>
+            <a:ext cx="412416" cy="1220557"/>
+          </a:xfrm>
+          <a:prstGeom prst="straightConnector1">
+            <a:avLst/>
+          </a:prstGeom>
+          <a:ln>
+            <a:solidFill>
+              <a:schemeClr val="tx1"/>
+            </a:solidFill>
+            <a:tailEnd type="triangle"/>
+          </a:ln>
+        </p:spPr>
+        <p:style>
+          <a:lnRef idx="1">
+            <a:schemeClr val="accent1"/>
+          </a:lnRef>
+          <a:fillRef idx="0">
+            <a:schemeClr val="accent1"/>
+          </a:fillRef>
+          <a:effectRef idx="0">
+            <a:schemeClr val="accent1"/>
+          </a:effectRef>
+          <a:fontRef idx="minor">
+            <a:schemeClr val="tx1"/>
+          </a:fontRef>
+        </p:style>
+      </p:cxnSp>
+      <p:cxnSp>
+        <p:nvCxnSpPr>
+          <p:cNvPr id="46" name="Conector de Seta Reta 45">
+            <a:extLst>
+              <a:ext uri="{FF2B5EF4-FFF2-40B4-BE49-F238E27FC236}">
+                <a16:creationId xmlns:a16="http://schemas.microsoft.com/office/drawing/2014/main" id="{CFFA4DB7-9B1B-4899-820F-1AF34CCC9670}"/>
+              </a:ext>
+            </a:extLst>
+          </p:cNvPr>
+          <p:cNvCxnSpPr>
+            <a:stCxn id="47" idx="3"/>
+            <a:endCxn id="48" idx="1"/>
+          </p:cNvCxnSpPr>
+          <p:nvPr/>
+        </p:nvCxnSpPr>
+        <p:spPr>
+          <a:xfrm flipV="1">
+            <a:off x="7917255" y="3837891"/>
+            <a:ext cx="418314" cy="4585"/>
+          </a:xfrm>
+          <a:prstGeom prst="straightConnector1">
+            <a:avLst/>
+          </a:prstGeom>
+          <a:ln>
+            <a:solidFill>
+              <a:schemeClr val="tx1"/>
+            </a:solidFill>
+            <a:tailEnd type="triangle"/>
+          </a:ln>
+        </p:spPr>
+        <p:style>
+          <a:lnRef idx="1">
+            <a:schemeClr val="accent1"/>
+          </a:lnRef>
+          <a:fillRef idx="0">
+            <a:schemeClr val="accent1"/>
+          </a:fillRef>
+          <a:effectRef idx="0">
+            <a:schemeClr val="accent1"/>
+          </a:effectRef>
+          <a:fontRef idx="minor">
+            <a:schemeClr val="tx1"/>
+          </a:fontRef>
+        </p:style>
+      </p:cxnSp>
+      <p:sp>
+        <p:nvSpPr>
+          <p:cNvPr id="55" name="CaixaDeTexto 54">
+            <a:extLst>
+              <a:ext uri="{FF2B5EF4-FFF2-40B4-BE49-F238E27FC236}">
+                <a16:creationId xmlns:a16="http://schemas.microsoft.com/office/drawing/2014/main" id="{2392AAF2-E209-4589-8360-A54C141B089E}"/>
+              </a:ext>
+            </a:extLst>
+          </p:cNvPr>
+          <p:cNvSpPr txBox="1"/>
+          <p:nvPr/>
+        </p:nvSpPr>
+        <p:spPr>
+          <a:xfrm>
+            <a:off x="6647747" y="3215176"/>
+            <a:ext cx="301686" cy="369332"/>
+          </a:xfrm>
+          <a:prstGeom prst="rect">
+            <a:avLst/>
+          </a:prstGeom>
+          <a:noFill/>
+        </p:spPr>
+        <p:txBody>
+          <a:bodyPr wrap="none" rtlCol="0">
+            <a:spAutoFit/>
+          </a:bodyPr>
+          <a:lstStyle/>
+          <a:p>
+            <a:r>
+              <a:rPr lang="pt-BR" dirty="0"/>
+              <a:t>7</a:t>
+            </a:r>
+          </a:p>
+        </p:txBody>
+      </p:sp>
+      <p:sp>
+        <p:nvSpPr>
+          <p:cNvPr id="56" name="CaixaDeTexto 55">
+            <a:extLst>
+              <a:ext uri="{FF2B5EF4-FFF2-40B4-BE49-F238E27FC236}">
+                <a16:creationId xmlns:a16="http://schemas.microsoft.com/office/drawing/2014/main" id="{F4C8FA31-B820-4583-9BBA-73EF0F0B2A8B}"/>
+              </a:ext>
+            </a:extLst>
+          </p:cNvPr>
+          <p:cNvSpPr txBox="1"/>
+          <p:nvPr/>
+        </p:nvSpPr>
+        <p:spPr>
+          <a:xfrm>
+            <a:off x="8257649" y="3201989"/>
+            <a:ext cx="301686" cy="369332"/>
+          </a:xfrm>
+          <a:prstGeom prst="rect">
+            <a:avLst/>
+          </a:prstGeom>
+          <a:noFill/>
+        </p:spPr>
+        <p:txBody>
+          <a:bodyPr wrap="none" rtlCol="0">
+            <a:spAutoFit/>
+          </a:bodyPr>
+          <a:lstStyle/>
+          <a:p>
+            <a:r>
+              <a:rPr lang="pt-BR" dirty="0"/>
+              <a:t>9</a:t>
+            </a:r>
+          </a:p>
+        </p:txBody>
+      </p:sp>
     </p:spTree>
     <p:extLst>
       <p:ext uri="{BB962C8B-B14F-4D97-AF65-F5344CB8AC3E}">
         <p14:creationId xmlns:p14="http://schemas.microsoft.com/office/powerpoint/2010/main" val="578745430"/>
+      </p:ext>
+    </p:extLst>
+  </p:cSld>
+  <p:clrMapOvr>
+    <a:masterClrMapping/>
+  </p:clrMapOvr>
+</p:sld>
+</file>
+
+<file path=ppt/slides/slide3.xml><?xml version="1.0" encoding="utf-8"?>
+<p:sld xmlns:a="http://schemas.openxmlformats.org/drawingml/2006/main" xmlns:r="http://schemas.openxmlformats.org/officeDocument/2006/relationships" xmlns:p="http://schemas.openxmlformats.org/presentationml/2006/main">
+  <p:cSld>
+    <p:spTree>
+      <p:nvGrpSpPr>
+        <p:cNvPr id="1" name=""/>
+        <p:cNvGrpSpPr/>
+        <p:nvPr/>
+      </p:nvGrpSpPr>
+      <p:grpSpPr>
+        <a:xfrm>
+          <a:off x="0" y="0"/>
+          <a:ext cx="0" cy="0"/>
+          <a:chOff x="0" y="0"/>
+          <a:chExt cx="0" cy="0"/>
+        </a:xfrm>
+      </p:grpSpPr>
+      <p:sp>
+        <p:nvSpPr>
+          <p:cNvPr id="2" name="Título 1">
+            <a:extLst>
+              <a:ext uri="{FF2B5EF4-FFF2-40B4-BE49-F238E27FC236}">
+                <a16:creationId xmlns:a16="http://schemas.microsoft.com/office/drawing/2014/main" id="{68FFD30F-02BF-42E6-B0E5-C1CC23DB0875}"/>
+              </a:ext>
+            </a:extLst>
+          </p:cNvPr>
+          <p:cNvSpPr>
+            <a:spLocks noGrp="1"/>
+          </p:cNvSpPr>
+          <p:nvPr>
+            <p:ph type="title"/>
+          </p:nvPr>
+        </p:nvSpPr>
+        <p:spPr/>
+        <p:txBody>
+          <a:bodyPr/>
+          <a:lstStyle/>
+          <a:p>
+            <a:r>
+              <a:rPr lang="pt-BR" dirty="0" err="1"/>
+              <a:t>Simulation</a:t>
+            </a:r>
+            <a:endParaRPr lang="pt-BR" dirty="0"/>
+          </a:p>
+        </p:txBody>
+      </p:sp>
+      <p:sp>
+        <p:nvSpPr>
+          <p:cNvPr id="3" name="Espaço Reservado para Conteúdo 2">
+            <a:extLst>
+              <a:ext uri="{FF2B5EF4-FFF2-40B4-BE49-F238E27FC236}">
+                <a16:creationId xmlns:a16="http://schemas.microsoft.com/office/drawing/2014/main" id="{93EC66BE-3BB7-4F06-AA35-0BD9EF97F48F}"/>
+              </a:ext>
+            </a:extLst>
+          </p:cNvPr>
+          <p:cNvSpPr>
+            <a:spLocks noGrp="1"/>
+          </p:cNvSpPr>
+          <p:nvPr>
+            <p:ph idx="1"/>
+          </p:nvPr>
+        </p:nvSpPr>
+        <p:spPr>
+          <a:xfrm>
+            <a:off x="838200" y="1532661"/>
+            <a:ext cx="10515600" cy="4351338"/>
+          </a:xfrm>
+        </p:spPr>
+        <p:txBody>
+          <a:bodyPr>
+            <a:normAutofit/>
+          </a:bodyPr>
+          <a:lstStyle/>
+          <a:p>
+            <a:r>
+              <a:rPr lang="en-US" sz="1800" dirty="0"/>
+              <a:t>15: This part is the entry point and endpoint of all the data going in/out the simulation engine, it has some validations and transformations to be able for both sides to understand what they are receiving. Example: engine receives objects, server receives json.</a:t>
+            </a:r>
+          </a:p>
+          <a:p>
+            <a:endParaRPr lang="en-US" sz="1800" dirty="0"/>
+          </a:p>
+          <a:p>
+            <a:r>
+              <a:rPr lang="en-US" sz="1800" dirty="0"/>
+              <a:t>16: Take care of the engine. These two modules will run the simulation like a gear that only stops when there is no more steps.</a:t>
+            </a:r>
+          </a:p>
+          <a:p>
+            <a:endParaRPr lang="en-US" sz="1800" dirty="0"/>
+          </a:p>
+          <a:p>
+            <a:r>
+              <a:rPr lang="en-US" sz="1800" dirty="0"/>
+              <a:t>17: Auxiliary modules to help the gear engine. </a:t>
+            </a:r>
+          </a:p>
+          <a:p>
+            <a:endParaRPr lang="en-US" sz="1800" dirty="0"/>
+          </a:p>
+          <a:p>
+            <a:r>
+              <a:rPr lang="en-US" sz="1800" dirty="0"/>
+              <a:t>18: Minimal modules that holds the data itself, the actual agent, the actual flood, the actual photo, etc.</a:t>
+            </a:r>
+          </a:p>
+        </p:txBody>
+      </p:sp>
+    </p:spTree>
+    <p:extLst>
+      <p:ext uri="{BB962C8B-B14F-4D97-AF65-F5344CB8AC3E}">
+        <p14:creationId xmlns:p14="http://schemas.microsoft.com/office/powerpoint/2010/main" val="691693480"/>
+      </p:ext>
+    </p:extLst>
+  </p:cSld>
+  <p:clrMapOvr>
+    <a:masterClrMapping/>
+  </p:clrMapOvr>
+</p:sld>
+</file>
+
+<file path=ppt/slides/slide4.xml><?xml version="1.0" encoding="utf-8"?>
+<p:sld xmlns:a="http://schemas.openxmlformats.org/drawingml/2006/main" xmlns:r="http://schemas.openxmlformats.org/officeDocument/2006/relationships" xmlns:p="http://schemas.openxmlformats.org/presentationml/2006/main">
+  <p:cSld>
+    <p:spTree>
+      <p:nvGrpSpPr>
+        <p:cNvPr id="1" name=""/>
+        <p:cNvGrpSpPr/>
+        <p:nvPr/>
+      </p:nvGrpSpPr>
+      <p:grpSpPr>
+        <a:xfrm>
+          <a:off x="0" y="0"/>
+          <a:ext cx="0" cy="0"/>
+          <a:chOff x="0" y="0"/>
+          <a:chExt cx="0" cy="0"/>
+        </a:xfrm>
+      </p:grpSpPr>
+      <p:sp>
+        <p:nvSpPr>
+          <p:cNvPr id="2" name="Título 1">
+            <a:extLst>
+              <a:ext uri="{FF2B5EF4-FFF2-40B4-BE49-F238E27FC236}">
+                <a16:creationId xmlns:a16="http://schemas.microsoft.com/office/drawing/2014/main" id="{56665A0C-E675-442C-8216-58083E90971D}"/>
+              </a:ext>
+            </a:extLst>
+          </p:cNvPr>
+          <p:cNvSpPr>
+            <a:spLocks noGrp="1"/>
+          </p:cNvSpPr>
+          <p:nvPr>
+            <p:ph type="title"/>
+          </p:nvPr>
+        </p:nvSpPr>
+        <p:spPr>
+          <a:xfrm>
+            <a:off x="838200" y="18255"/>
+            <a:ext cx="10515600" cy="1325563"/>
+          </a:xfrm>
+        </p:spPr>
+        <p:txBody>
+          <a:bodyPr/>
+          <a:lstStyle/>
+          <a:p>
+            <a:r>
+              <a:rPr lang="pt-BR" dirty="0" err="1"/>
+              <a:t>Simulation</a:t>
+            </a:r>
+            <a:endParaRPr lang="pt-BR" dirty="0"/>
+          </a:p>
+        </p:txBody>
+      </p:sp>
+      <p:sp>
+        <p:nvSpPr>
+          <p:cNvPr id="3" name="Espaço Reservado para Conteúdo 2">
+            <a:extLst>
+              <a:ext uri="{FF2B5EF4-FFF2-40B4-BE49-F238E27FC236}">
+                <a16:creationId xmlns:a16="http://schemas.microsoft.com/office/drawing/2014/main" id="{8121BD2A-67D2-47DC-9854-5913C7295A3E}"/>
+              </a:ext>
+            </a:extLst>
+          </p:cNvPr>
+          <p:cNvSpPr>
+            <a:spLocks noGrp="1"/>
+          </p:cNvSpPr>
+          <p:nvPr>
+            <p:ph idx="1"/>
+          </p:nvPr>
+        </p:nvSpPr>
+        <p:spPr>
+          <a:xfrm>
+            <a:off x="838200" y="1322773"/>
+            <a:ext cx="10515600" cy="4854190"/>
+          </a:xfrm>
+        </p:spPr>
+        <p:txBody>
+          <a:bodyPr>
+            <a:normAutofit lnSpcReduction="10000"/>
+          </a:bodyPr>
+          <a:lstStyle/>
+          <a:p>
+            <a:r>
+              <a:rPr lang="en-US" sz="1600" dirty="0"/>
+              <a:t>1: The entry point to every call from the API module. This module is responsible for receiving and sending the responses between the engine and the API.</a:t>
+            </a:r>
+          </a:p>
+          <a:p>
+            <a:r>
+              <a:rPr lang="en-US" sz="1600" dirty="0"/>
+              <a:t>2: Translator for all the data calculated and returned from the engine. It prevents from overcharging the module 1 dealing with all the transformations necessary to do data..</a:t>
+            </a:r>
+          </a:p>
+          <a:p>
+            <a:r>
+              <a:rPr lang="en-US" sz="1600" dirty="0"/>
+              <a:t>3: Prevents the changes made on the data to transform from objects to JSON format to also change the objects inside the engine causing errors.</a:t>
+            </a:r>
+          </a:p>
+          <a:p>
+            <a:r>
+              <a:rPr lang="en-US" sz="1600" dirty="0"/>
+              <a:t>4: Abstraction of the general engine, do only top functions like: </a:t>
+            </a:r>
+            <a:r>
+              <a:rPr lang="en-US" sz="1600" dirty="0" err="1"/>
+              <a:t>do_step</a:t>
+            </a:r>
+            <a:r>
+              <a:rPr lang="en-US" sz="1600" dirty="0"/>
+              <a:t>, connect, start, etc. It relies on other modules to do the tough work.</a:t>
+            </a:r>
+          </a:p>
+          <a:p>
+            <a:r>
+              <a:rPr lang="en-US" sz="1600" dirty="0"/>
+              <a:t>5: This module get its hands dirty by handling all the changes on steps, events and agents. It can not work alone since its methods need to be called in some kind of order, the 4 module use it to do top level actions.</a:t>
+            </a:r>
+          </a:p>
+          <a:p>
+            <a:r>
+              <a:rPr lang="en-US" sz="1600" dirty="0"/>
+              <a:t>6: Manager to handle all the changes on agents, since delivering items to disconnecting them. All actions that need to be done on agents go through this module.</a:t>
+            </a:r>
+          </a:p>
+          <a:p>
+            <a:r>
+              <a:rPr lang="en-US" sz="1600" dirty="0"/>
+              <a:t>7: Manager to handle all the changes on social assets, since delivering items to disconnecting them. All actions that need to be done on social assets go through this module.</a:t>
+            </a:r>
+          </a:p>
+          <a:p>
+            <a:r>
+              <a:rPr lang="en-US" sz="1600" dirty="0"/>
+              <a:t>8: It will generate all the events once the </a:t>
+            </a:r>
+            <a:r>
+              <a:rPr lang="en-US" sz="1600" dirty="0" err="1"/>
+              <a:t>generate_events</a:t>
+            </a:r>
+            <a:r>
+              <a:rPr lang="en-US" sz="1600" dirty="0"/>
+              <a:t> method is called. It does not require any parenthood relation, can be called from any class anywhere.</a:t>
+            </a:r>
+          </a:p>
+          <a:p>
+            <a:r>
+              <a:rPr lang="en-US" sz="1600" dirty="0"/>
+              <a:t>9: The map module represent the map that is currently being used by the simulation, it contains a lot of methods of geolocation and distance calculation.</a:t>
+            </a:r>
+          </a:p>
+          <a:p>
+            <a:pPr marL="0" indent="0">
+              <a:buNone/>
+            </a:pPr>
+            <a:endParaRPr lang="en-US" sz="1600" dirty="0"/>
+          </a:p>
+        </p:txBody>
+      </p:sp>
+    </p:spTree>
+    <p:extLst>
+      <p:ext uri="{BB962C8B-B14F-4D97-AF65-F5344CB8AC3E}">
+        <p14:creationId xmlns:p14="http://schemas.microsoft.com/office/powerpoint/2010/main" val="78670246"/>
+      </p:ext>
+    </p:extLst>
+  </p:cSld>
+  <p:clrMapOvr>
+    <a:masterClrMapping/>
+  </p:clrMapOvr>
+</p:sld>
+</file>
+
+<file path=ppt/slides/slide5.xml><?xml version="1.0" encoding="utf-8"?>
+<p:sld xmlns:a="http://schemas.openxmlformats.org/drawingml/2006/main" xmlns:r="http://schemas.openxmlformats.org/officeDocument/2006/relationships" xmlns:p="http://schemas.openxmlformats.org/presentationml/2006/main">
+  <p:cSld>
+    <p:spTree>
+      <p:nvGrpSpPr>
+        <p:cNvPr id="1" name=""/>
+        <p:cNvGrpSpPr/>
+        <p:nvPr/>
+      </p:nvGrpSpPr>
+      <p:grpSpPr>
+        <a:xfrm>
+          <a:off x="0" y="0"/>
+          <a:ext cx="0" cy="0"/>
+          <a:chOff x="0" y="0"/>
+          <a:chExt cx="0" cy="0"/>
+        </a:xfrm>
+      </p:grpSpPr>
+      <p:sp>
+        <p:nvSpPr>
+          <p:cNvPr id="2" name="Título 1">
+            <a:extLst>
+              <a:ext uri="{FF2B5EF4-FFF2-40B4-BE49-F238E27FC236}">
+                <a16:creationId xmlns:a16="http://schemas.microsoft.com/office/drawing/2014/main" id="{6D37C8DF-2049-4511-8395-DC9BF0B36489}"/>
+              </a:ext>
+            </a:extLst>
+          </p:cNvPr>
+          <p:cNvSpPr>
+            <a:spLocks noGrp="1"/>
+          </p:cNvSpPr>
+          <p:nvPr>
+            <p:ph type="title"/>
+          </p:nvPr>
+        </p:nvSpPr>
+        <p:spPr>
+          <a:xfrm>
+            <a:off x="838200" y="18255"/>
+            <a:ext cx="10515600" cy="1325563"/>
+          </a:xfrm>
+        </p:spPr>
+        <p:txBody>
+          <a:bodyPr/>
+          <a:lstStyle/>
+          <a:p>
+            <a:r>
+              <a:rPr lang="pt-BR" dirty="0" err="1"/>
+              <a:t>Simulation</a:t>
+            </a:r>
+            <a:endParaRPr lang="pt-BR" dirty="0"/>
+          </a:p>
+        </p:txBody>
+      </p:sp>
+      <p:sp>
+        <p:nvSpPr>
+          <p:cNvPr id="3" name="Espaço Reservado para Conteúdo 2">
+            <a:extLst>
+              <a:ext uri="{FF2B5EF4-FFF2-40B4-BE49-F238E27FC236}">
+                <a16:creationId xmlns:a16="http://schemas.microsoft.com/office/drawing/2014/main" id="{1BA30D6F-7EBF-490E-9F52-790166CB2F60}"/>
+              </a:ext>
+            </a:extLst>
+          </p:cNvPr>
+          <p:cNvSpPr>
+            <a:spLocks noGrp="1"/>
+          </p:cNvSpPr>
+          <p:nvPr>
+            <p:ph idx="1"/>
+          </p:nvPr>
+        </p:nvSpPr>
+        <p:spPr>
+          <a:xfrm>
+            <a:off x="838200" y="1343818"/>
+            <a:ext cx="10515600" cy="4351338"/>
+          </a:xfrm>
+        </p:spPr>
+        <p:txBody>
+          <a:bodyPr>
+            <a:normAutofit/>
+          </a:bodyPr>
+          <a:lstStyle/>
+          <a:p>
+            <a:r>
+              <a:rPr lang="en-US" sz="1600" dirty="0"/>
+              <a:t>10: Represents the agent interacting with the simulation. It has some attributes for internal verifications and methods to make easier manipulating the actions sent.</a:t>
+            </a:r>
+          </a:p>
+          <a:p>
+            <a:r>
+              <a:rPr lang="en-US" sz="1600" dirty="0"/>
+              <a:t>11: Represents the social asset interacting with the simulation. It has some attributes for internal verifications and methods to make easier manipulating the actions sent.</a:t>
+            </a:r>
+          </a:p>
+          <a:p>
+            <a:r>
+              <a:rPr lang="en-US" sz="1600" dirty="0"/>
+              <a:t>12: Represents a flood that occurred on some place on the map, it contains a list of all the nodes it affected so cars and social assets won’t be able to enter it.</a:t>
+            </a:r>
+          </a:p>
+          <a:p>
+            <a:r>
+              <a:rPr lang="en-US" sz="1600" dirty="0"/>
+              <a:t>13: Represents a victim inside the flood. Its lifetime reduces every step in 1 and this is verified by the cycle module.</a:t>
+            </a:r>
+          </a:p>
+          <a:p>
+            <a:r>
+              <a:rPr lang="en-US" sz="1600" dirty="0"/>
+              <a:t>14: Represents a photo event inside the flood. It will remain in the same location and active until the end of the simulation or until somebody takes it.</a:t>
+            </a:r>
+          </a:p>
+          <a:p>
+            <a:r>
+              <a:rPr lang="en-US" sz="1600" dirty="0"/>
+              <a:t>15: Represents a water sample event inside the flood. It will remain in the same location and active until the end of the simulation or until somebody takes it.</a:t>
+            </a:r>
+          </a:p>
+        </p:txBody>
+      </p:sp>
+    </p:spTree>
+    <p:extLst>
+      <p:ext uri="{BB962C8B-B14F-4D97-AF65-F5344CB8AC3E}">
+        <p14:creationId xmlns:p14="http://schemas.microsoft.com/office/powerpoint/2010/main" val="539836002"/>
+      </p:ext>
+    </p:extLst>
+  </p:cSld>
+  <p:clrMapOvr>
+    <a:masterClrMapping/>
+  </p:clrMapOvr>
+</p:sld>
+</file>
+
+<file path=ppt/slides/slide6.xml><?xml version="1.0" encoding="utf-8"?>
+<p:sld xmlns:a="http://schemas.openxmlformats.org/drawingml/2006/main" xmlns:r="http://schemas.openxmlformats.org/officeDocument/2006/relationships" xmlns:p="http://schemas.openxmlformats.org/presentationml/2006/main">
+  <p:cSld>
+    <p:spTree>
+      <p:nvGrpSpPr>
+        <p:cNvPr id="1" name=""/>
+        <p:cNvGrpSpPr/>
+        <p:nvPr/>
+      </p:nvGrpSpPr>
+      <p:grpSpPr>
+        <a:xfrm>
+          <a:off x="0" y="0"/>
+          <a:ext cx="0" cy="0"/>
+          <a:chOff x="0" y="0"/>
+          <a:chExt cx="0" cy="0"/>
+        </a:xfrm>
+      </p:grpSpPr>
+      <p:sp>
+        <p:nvSpPr>
+          <p:cNvPr id="2" name="Título 1">
+            <a:extLst>
+              <a:ext uri="{FF2B5EF4-FFF2-40B4-BE49-F238E27FC236}">
+                <a16:creationId xmlns:a16="http://schemas.microsoft.com/office/drawing/2014/main" id="{84540788-5126-43BF-845D-6BFE66AC88F1}"/>
+              </a:ext>
+            </a:extLst>
+          </p:cNvPr>
+          <p:cNvSpPr>
+            <a:spLocks noGrp="1"/>
+          </p:cNvSpPr>
+          <p:nvPr>
+            <p:ph type="title"/>
+          </p:nvPr>
+        </p:nvSpPr>
+        <p:spPr/>
+        <p:txBody>
+          <a:bodyPr/>
+          <a:lstStyle/>
+          <a:p>
+            <a:r>
+              <a:rPr lang="pt-BR" dirty="0"/>
+              <a:t>API</a:t>
+            </a:r>
+          </a:p>
+        </p:txBody>
+      </p:sp>
+      <p:sp>
+        <p:nvSpPr>
+          <p:cNvPr id="3" name="Espaço Reservado para Conteúdo 2">
+            <a:extLst>
+              <a:ext uri="{FF2B5EF4-FFF2-40B4-BE49-F238E27FC236}">
+                <a16:creationId xmlns:a16="http://schemas.microsoft.com/office/drawing/2014/main" id="{33CD87CB-310A-4DE8-AE71-CDB710C8E908}"/>
+              </a:ext>
+            </a:extLst>
+          </p:cNvPr>
+          <p:cNvSpPr>
+            <a:spLocks noGrp="1"/>
+          </p:cNvSpPr>
+          <p:nvPr>
+            <p:ph idx="1"/>
+          </p:nvPr>
+        </p:nvSpPr>
+        <p:spPr/>
+        <p:txBody>
+          <a:bodyPr>
+            <a:normAutofit/>
+          </a:bodyPr>
+          <a:lstStyle/>
+          <a:p>
+            <a:r>
+              <a:rPr lang="pt-BR" sz="1800" dirty="0"/>
+              <a:t>9: </a:t>
+            </a:r>
+            <a:r>
+              <a:rPr lang="pt-BR" sz="1800" dirty="0" err="1"/>
+              <a:t>These</a:t>
+            </a:r>
+            <a:r>
+              <a:rPr lang="pt-BR" sz="1800" dirty="0"/>
+              <a:t> </a:t>
+            </a:r>
+            <a:r>
+              <a:rPr lang="pt-BR" sz="1800" dirty="0" err="1"/>
+              <a:t>three</a:t>
+            </a:r>
+            <a:r>
+              <a:rPr lang="pt-BR" sz="1800" dirty="0"/>
+              <a:t> modules are </a:t>
+            </a:r>
+            <a:r>
+              <a:rPr lang="pt-BR" sz="1800" dirty="0" err="1"/>
+              <a:t>the</a:t>
+            </a:r>
+            <a:r>
+              <a:rPr lang="pt-BR" sz="1800" dirty="0"/>
+              <a:t> </a:t>
+            </a:r>
+            <a:r>
+              <a:rPr lang="pt-BR" sz="1800" dirty="0" err="1"/>
+              <a:t>handlers</a:t>
+            </a:r>
+            <a:r>
+              <a:rPr lang="pt-BR" sz="1800" dirty="0"/>
+              <a:t> </a:t>
+            </a:r>
+            <a:r>
+              <a:rPr lang="pt-BR" sz="1800" dirty="0" err="1"/>
+              <a:t>that</a:t>
+            </a:r>
+            <a:r>
+              <a:rPr lang="pt-BR" sz="1800" dirty="0"/>
+              <a:t> </a:t>
+            </a:r>
+            <a:r>
+              <a:rPr lang="pt-BR" sz="1800" dirty="0" err="1"/>
+              <a:t>will</a:t>
+            </a:r>
+            <a:r>
+              <a:rPr lang="pt-BR" sz="1800" dirty="0"/>
+              <a:t> help </a:t>
+            </a:r>
+            <a:r>
+              <a:rPr lang="pt-BR" sz="1800" dirty="0" err="1"/>
+              <a:t>dealing</a:t>
+            </a:r>
+            <a:r>
+              <a:rPr lang="pt-BR" sz="1800" dirty="0"/>
+              <a:t> </a:t>
+            </a:r>
+            <a:r>
+              <a:rPr lang="pt-BR" sz="1800" dirty="0" err="1"/>
+              <a:t>with</a:t>
+            </a:r>
+            <a:r>
+              <a:rPr lang="pt-BR" sz="1800" dirty="0"/>
+              <a:t> </a:t>
+            </a:r>
+            <a:r>
+              <a:rPr lang="pt-BR" sz="1800" dirty="0" err="1"/>
+              <a:t>the</a:t>
+            </a:r>
+            <a:r>
+              <a:rPr lang="pt-BR" sz="1800" dirty="0"/>
+              <a:t> </a:t>
+            </a:r>
+            <a:r>
+              <a:rPr lang="pt-BR" sz="1800" dirty="0" err="1"/>
+              <a:t>actual</a:t>
+            </a:r>
+            <a:r>
+              <a:rPr lang="pt-BR" sz="1800" dirty="0"/>
+              <a:t> data it </a:t>
+            </a:r>
+            <a:r>
+              <a:rPr lang="pt-BR" sz="1800" dirty="0" err="1"/>
+              <a:t>will</a:t>
+            </a:r>
+            <a:r>
+              <a:rPr lang="pt-BR" sz="1800" dirty="0"/>
+              <a:t> </a:t>
+            </a:r>
+            <a:r>
+              <a:rPr lang="pt-BR" sz="1800" dirty="0" err="1"/>
+              <a:t>edit</a:t>
+            </a:r>
+            <a:r>
+              <a:rPr lang="pt-BR" sz="1800" dirty="0"/>
+              <a:t>, </a:t>
+            </a:r>
+            <a:r>
+              <a:rPr lang="pt-BR" sz="1800" dirty="0" err="1"/>
+              <a:t>transform</a:t>
+            </a:r>
+            <a:r>
+              <a:rPr lang="pt-BR" sz="1800" dirty="0"/>
+              <a:t> </a:t>
+            </a:r>
+            <a:r>
+              <a:rPr lang="pt-BR" sz="1800" dirty="0" err="1"/>
+              <a:t>and</a:t>
+            </a:r>
+            <a:r>
+              <a:rPr lang="pt-BR" sz="1800" dirty="0"/>
+              <a:t>/</a:t>
+            </a:r>
+            <a:r>
+              <a:rPr lang="pt-BR" sz="1800" dirty="0" err="1"/>
+              <a:t>or</a:t>
+            </a:r>
+            <a:r>
+              <a:rPr lang="pt-BR" sz="1800" dirty="0"/>
+              <a:t> </a:t>
+            </a:r>
+            <a:r>
+              <a:rPr lang="pt-BR" sz="1800" dirty="0" err="1"/>
+              <a:t>validate</a:t>
+            </a:r>
+            <a:r>
+              <a:rPr lang="pt-BR" sz="1800" dirty="0"/>
+              <a:t> </a:t>
+            </a:r>
+            <a:r>
+              <a:rPr lang="pt-BR" sz="1800" dirty="0" err="1"/>
+              <a:t>the</a:t>
+            </a:r>
+            <a:r>
+              <a:rPr lang="pt-BR" sz="1800" dirty="0"/>
+              <a:t> </a:t>
+            </a:r>
+            <a:r>
+              <a:rPr lang="pt-BR" sz="1800" dirty="0" err="1"/>
+              <a:t>sent</a:t>
+            </a:r>
+            <a:r>
+              <a:rPr lang="pt-BR" sz="1800" dirty="0"/>
+              <a:t> </a:t>
+            </a:r>
+            <a:r>
+              <a:rPr lang="pt-BR" sz="1800" dirty="0" err="1"/>
+              <a:t>and</a:t>
+            </a:r>
+            <a:r>
+              <a:rPr lang="pt-BR" sz="1800" dirty="0"/>
+              <a:t> </a:t>
+            </a:r>
+            <a:r>
+              <a:rPr lang="pt-BR" sz="1800" dirty="0" err="1"/>
+              <a:t>send</a:t>
+            </a:r>
+            <a:r>
+              <a:rPr lang="pt-BR" sz="1800" dirty="0"/>
+              <a:t> data.</a:t>
+            </a:r>
+          </a:p>
+          <a:p>
+            <a:endParaRPr lang="pt-BR" sz="1800" dirty="0"/>
+          </a:p>
+          <a:p>
+            <a:r>
+              <a:rPr lang="pt-BR" sz="1800" dirty="0"/>
+              <a:t>10: </a:t>
+            </a:r>
+            <a:r>
+              <a:rPr lang="pt-BR" sz="1800" dirty="0" err="1"/>
+              <a:t>These</a:t>
+            </a:r>
+            <a:r>
+              <a:rPr lang="pt-BR" sz="1800" dirty="0"/>
+              <a:t> modules </a:t>
+            </a:r>
+            <a:r>
+              <a:rPr lang="pt-BR" sz="1800" dirty="0" err="1"/>
+              <a:t>just</a:t>
+            </a:r>
+            <a:r>
+              <a:rPr lang="pt-BR" sz="1800" dirty="0"/>
+              <a:t> </a:t>
+            </a:r>
+            <a:r>
+              <a:rPr lang="pt-BR" sz="1800" dirty="0" err="1"/>
+              <a:t>handles</a:t>
+            </a:r>
+            <a:r>
+              <a:rPr lang="pt-BR" sz="1800" dirty="0"/>
+              <a:t> </a:t>
+            </a:r>
+            <a:r>
+              <a:rPr lang="pt-BR" sz="1800" dirty="0" err="1"/>
+              <a:t>the</a:t>
+            </a:r>
+            <a:r>
+              <a:rPr lang="pt-BR" sz="1800" dirty="0"/>
+              <a:t> </a:t>
+            </a:r>
+            <a:r>
+              <a:rPr lang="pt-BR" sz="1800" dirty="0" err="1"/>
+              <a:t>editions</a:t>
+            </a:r>
+            <a:r>
+              <a:rPr lang="pt-BR" sz="1800" dirty="0"/>
+              <a:t> </a:t>
+            </a:r>
+            <a:r>
+              <a:rPr lang="pt-BR" sz="1800" dirty="0" err="1"/>
+              <a:t>on</a:t>
+            </a:r>
+            <a:r>
+              <a:rPr lang="pt-BR" sz="1800" dirty="0"/>
+              <a:t> </a:t>
+            </a:r>
+            <a:r>
+              <a:rPr lang="pt-BR" sz="1800" dirty="0" err="1"/>
+              <a:t>the</a:t>
+            </a:r>
+            <a:r>
+              <a:rPr lang="pt-BR" sz="1800" dirty="0"/>
+              <a:t> </a:t>
+            </a:r>
+            <a:r>
+              <a:rPr lang="pt-BR" sz="1800" dirty="0" err="1"/>
+              <a:t>actual</a:t>
+            </a:r>
+            <a:r>
+              <a:rPr lang="pt-BR" sz="1800" dirty="0"/>
+              <a:t> data.</a:t>
+            </a:r>
+          </a:p>
+        </p:txBody>
+      </p:sp>
+    </p:spTree>
+    <p:extLst>
+      <p:ext uri="{BB962C8B-B14F-4D97-AF65-F5344CB8AC3E}">
+        <p14:creationId xmlns:p14="http://schemas.microsoft.com/office/powerpoint/2010/main" val="2557908569"/>
+      </p:ext>
+    </p:extLst>
+  </p:cSld>
+  <p:clrMapOvr>
+    <a:masterClrMapping/>
+  </p:clrMapOvr>
+</p:sld>
+</file>
+
+<file path=ppt/slides/slide7.xml><?xml version="1.0" encoding="utf-8"?>
+<p:sld xmlns:a="http://schemas.openxmlformats.org/drawingml/2006/main" xmlns:r="http://schemas.openxmlformats.org/officeDocument/2006/relationships" xmlns:p="http://schemas.openxmlformats.org/presentationml/2006/main">
+  <p:cSld>
+    <p:spTree>
+      <p:nvGrpSpPr>
+        <p:cNvPr id="1" name=""/>
+        <p:cNvGrpSpPr/>
+        <p:nvPr/>
+      </p:nvGrpSpPr>
+      <p:grpSpPr>
+        <a:xfrm>
+          <a:off x="0" y="0"/>
+          <a:ext cx="0" cy="0"/>
+          <a:chOff x="0" y="0"/>
+          <a:chExt cx="0" cy="0"/>
+        </a:xfrm>
+      </p:grpSpPr>
+      <p:sp>
+        <p:nvSpPr>
+          <p:cNvPr id="2" name="Título 1">
+            <a:extLst>
+              <a:ext uri="{FF2B5EF4-FFF2-40B4-BE49-F238E27FC236}">
+                <a16:creationId xmlns:a16="http://schemas.microsoft.com/office/drawing/2014/main" id="{E69973D6-43EE-48A5-9CBF-793E17172B0F}"/>
+              </a:ext>
+            </a:extLst>
+          </p:cNvPr>
+          <p:cNvSpPr>
+            <a:spLocks noGrp="1"/>
+          </p:cNvSpPr>
+          <p:nvPr>
+            <p:ph type="title"/>
+          </p:nvPr>
+        </p:nvSpPr>
+        <p:spPr>
+          <a:xfrm>
+            <a:off x="838200" y="65056"/>
+            <a:ext cx="10515600" cy="1325563"/>
+          </a:xfrm>
+        </p:spPr>
+        <p:txBody>
+          <a:bodyPr/>
+          <a:lstStyle/>
+          <a:p>
+            <a:r>
+              <a:rPr lang="pt-BR" dirty="0"/>
+              <a:t>API</a:t>
+            </a:r>
+          </a:p>
+        </p:txBody>
+      </p:sp>
+      <p:sp>
+        <p:nvSpPr>
+          <p:cNvPr id="3" name="Espaço Reservado para Conteúdo 2">
+            <a:extLst>
+              <a:ext uri="{FF2B5EF4-FFF2-40B4-BE49-F238E27FC236}">
+                <a16:creationId xmlns:a16="http://schemas.microsoft.com/office/drawing/2014/main" id="{8EFD8ABF-D4D2-4887-9FB4-2C8E6756E1EE}"/>
+              </a:ext>
+            </a:extLst>
+          </p:cNvPr>
+          <p:cNvSpPr>
+            <a:spLocks noGrp="1"/>
+          </p:cNvSpPr>
+          <p:nvPr>
+            <p:ph idx="1"/>
+          </p:nvPr>
+        </p:nvSpPr>
+        <p:spPr>
+          <a:xfrm>
+            <a:off x="838200" y="1198485"/>
+            <a:ext cx="10515600" cy="5294390"/>
+          </a:xfrm>
+        </p:spPr>
+        <p:txBody>
+          <a:bodyPr>
+            <a:normAutofit/>
+          </a:bodyPr>
+          <a:lstStyle/>
+          <a:p>
+            <a:r>
+              <a:rPr lang="en-US" sz="1600" dirty="0"/>
+              <a:t>1: Entry point and endpoint for all the calls from external services, they can be agents or just scripts. Everything that is meant to be sent to the simulation must pass through here.</a:t>
+            </a:r>
+          </a:p>
+          <a:p>
+            <a:r>
+              <a:rPr lang="en-US" sz="1600" dirty="0"/>
+              <a:t>2: It will handle almost all the validations that the API has to do on the data sent to it, also holds the manager that is required directly from the API, but for redundancies reasons it had to be placed inside the controller.</a:t>
+            </a:r>
+          </a:p>
+          <a:p>
+            <a:r>
+              <a:rPr lang="en-US" sz="1600" dirty="0"/>
+              <a:t>3: Translates all the messages from the API to the agents in a way that it would be easy to check if the action was done or what happened if it was not</a:t>
+            </a:r>
+          </a:p>
+          <a:p>
+            <a:r>
+              <a:rPr lang="en-US" sz="1600" dirty="0"/>
+              <a:t>4: Top level module to make easier handling the agents, social assets and sockets all at once. One precaution that must be taken from the user is that the agents can not send the same objects as the social assets to be transformed in tokens. This precautions is needed to prevent the user from sending every time if the message if from a agent or from a asset.</a:t>
+            </a:r>
+          </a:p>
+          <a:p>
+            <a:r>
+              <a:rPr lang="en-US" sz="1600" dirty="0"/>
+              <a:t>5: Manager to handle all the editions and actions on social assets. All changes that must be done on social assets have to be through this module.</a:t>
+            </a:r>
+          </a:p>
+          <a:p>
+            <a:r>
+              <a:rPr lang="en-US" sz="1600" dirty="0"/>
+              <a:t>6: Manager to handle all the editions and actions on agents. All changes that must be done on agents have to pass through this module</a:t>
+            </a:r>
+          </a:p>
+          <a:p>
+            <a:r>
+              <a:rPr lang="en-US" sz="1600" dirty="0"/>
+              <a:t>7: Manager to handle all the responses from sockets from both agents and social assets. All changes that must be done on any sockets have to pass through this module.</a:t>
+            </a:r>
+          </a:p>
+          <a:p>
+            <a:r>
+              <a:rPr lang="en-US" sz="1600" dirty="0"/>
+              <a:t>8: Represents the agent sent to the simulation. It holds the initial information and the token to communicate properly with the engine. Also has some attributes for verifications.</a:t>
+            </a:r>
+          </a:p>
+          <a:p>
+            <a:r>
+              <a:rPr lang="en-US" sz="1600" dirty="0"/>
+              <a:t>9: Represents the social asset sent to the simulation. It holds the initial information and the token to communicate properly with the engine. Also has some attributes for verifications.</a:t>
+            </a:r>
+          </a:p>
+        </p:txBody>
+      </p:sp>
+    </p:spTree>
+    <p:extLst>
+      <p:ext uri="{BB962C8B-B14F-4D97-AF65-F5344CB8AC3E}">
+        <p14:creationId xmlns:p14="http://schemas.microsoft.com/office/powerpoint/2010/main" val="1875606970"/>
+      </p:ext>
+    </p:extLst>
+  </p:cSld>
+  <p:clrMapOvr>
+    <a:masterClrMapping/>
+  </p:clrMapOvr>
+</p:sld>
+</file>
+
+<file path=ppt/slides/slide8.xml><?xml version="1.0" encoding="utf-8"?>
+<p:sld xmlns:a="http://schemas.openxmlformats.org/drawingml/2006/main" xmlns:r="http://schemas.openxmlformats.org/officeDocument/2006/relationships" xmlns:p="http://schemas.openxmlformats.org/presentationml/2006/main">
+  <p:cSld>
+    <p:spTree>
+      <p:nvGrpSpPr>
+        <p:cNvPr id="1" name=""/>
+        <p:cNvGrpSpPr/>
+        <p:nvPr/>
+      </p:nvGrpSpPr>
+      <p:grpSpPr>
+        <a:xfrm>
+          <a:off x="0" y="0"/>
+          <a:ext cx="0" cy="0"/>
+          <a:chOff x="0" y="0"/>
+          <a:chExt cx="0" cy="0"/>
+        </a:xfrm>
+      </p:grpSpPr>
+      <p:sp>
+        <p:nvSpPr>
+          <p:cNvPr id="2" name="Título 1">
+            <a:extLst>
+              <a:ext uri="{FF2B5EF4-FFF2-40B4-BE49-F238E27FC236}">
+                <a16:creationId xmlns:a16="http://schemas.microsoft.com/office/drawing/2014/main" id="{03BD0099-5E05-4BDA-82B0-BE3059B6CA37}"/>
+              </a:ext>
+            </a:extLst>
+          </p:cNvPr>
+          <p:cNvSpPr>
+            <a:spLocks noGrp="1"/>
+          </p:cNvSpPr>
+          <p:nvPr>
+            <p:ph type="title"/>
+          </p:nvPr>
+        </p:nvSpPr>
+        <p:spPr/>
+        <p:txBody>
+          <a:bodyPr/>
+          <a:lstStyle/>
+          <a:p>
+            <a:r>
+              <a:rPr lang="pt-BR" dirty="0"/>
+              <a:t>API status</a:t>
+            </a:r>
+          </a:p>
+        </p:txBody>
+      </p:sp>
+      <p:sp>
+        <p:nvSpPr>
+          <p:cNvPr id="3" name="Espaço Reservado para Conteúdo 2">
+            <a:extLst>
+              <a:ext uri="{FF2B5EF4-FFF2-40B4-BE49-F238E27FC236}">
+                <a16:creationId xmlns:a16="http://schemas.microsoft.com/office/drawing/2014/main" id="{BBC39D97-14FA-41DE-BFC1-2BE0687FF013}"/>
+              </a:ext>
+            </a:extLst>
+          </p:cNvPr>
+          <p:cNvSpPr>
+            <a:spLocks noGrp="1"/>
+          </p:cNvSpPr>
+          <p:nvPr>
+            <p:ph idx="1"/>
+          </p:nvPr>
+        </p:nvSpPr>
+        <p:spPr/>
+        <p:txBody>
+          <a:bodyPr>
+            <a:normAutofit/>
+          </a:bodyPr>
+          <a:lstStyle/>
+          <a:p>
+            <a:r>
+              <a:rPr lang="pt-BR" sz="1800" dirty="0"/>
+              <a:t>0: </a:t>
+            </a:r>
+            <a:r>
+              <a:rPr lang="pt-BR" sz="1800" dirty="0" err="1"/>
+              <a:t>Unknown</a:t>
+            </a:r>
+            <a:r>
+              <a:rPr lang="pt-BR" sz="1800" dirty="0"/>
+              <a:t> </a:t>
+            </a:r>
+            <a:r>
+              <a:rPr lang="pt-BR" sz="1800" dirty="0" err="1"/>
+              <a:t>error</a:t>
+            </a:r>
+            <a:r>
+              <a:rPr lang="pt-BR" sz="1800" dirty="0"/>
+              <a:t>. </a:t>
+            </a:r>
+            <a:r>
+              <a:rPr lang="pt-BR" sz="1800" dirty="0" err="1"/>
+              <a:t>Probably</a:t>
+            </a:r>
+            <a:r>
+              <a:rPr lang="pt-BR" sz="1800" dirty="0"/>
+              <a:t> na </a:t>
+            </a:r>
+            <a:r>
+              <a:rPr lang="pt-BR" sz="1800" dirty="0" err="1"/>
+              <a:t>internal</a:t>
+            </a:r>
+            <a:r>
+              <a:rPr lang="pt-BR" sz="1800" dirty="0"/>
+              <a:t> </a:t>
+            </a:r>
+            <a:r>
+              <a:rPr lang="pt-BR" sz="1800" dirty="0" err="1"/>
+              <a:t>error</a:t>
+            </a:r>
+            <a:r>
+              <a:rPr lang="pt-BR" sz="1800" dirty="0"/>
+              <a:t> </a:t>
+            </a:r>
+            <a:r>
+              <a:rPr lang="pt-BR" sz="1800" dirty="0" err="1"/>
+              <a:t>occurred</a:t>
+            </a:r>
+            <a:r>
+              <a:rPr lang="pt-BR" sz="1800" dirty="0"/>
+              <a:t>, </a:t>
+            </a:r>
+            <a:r>
+              <a:rPr lang="pt-BR" sz="1800" dirty="0" err="1"/>
+              <a:t>check</a:t>
+            </a:r>
+            <a:r>
+              <a:rPr lang="pt-BR" sz="1800" dirty="0"/>
+              <a:t> </a:t>
+            </a:r>
+            <a:r>
+              <a:rPr lang="pt-BR" sz="1800" dirty="0" err="1"/>
+              <a:t>the</a:t>
+            </a:r>
+            <a:r>
+              <a:rPr lang="pt-BR" sz="1800" dirty="0"/>
+              <a:t> terminal.</a:t>
+            </a:r>
+          </a:p>
+          <a:p>
+            <a:r>
+              <a:rPr lang="pt-BR" sz="1800" dirty="0"/>
+              <a:t>1: </a:t>
+            </a:r>
+            <a:r>
+              <a:rPr lang="pt-BR" sz="1800" dirty="0" err="1"/>
+              <a:t>Everything</a:t>
+            </a:r>
+            <a:r>
+              <a:rPr lang="pt-BR" sz="1800" dirty="0"/>
+              <a:t> </a:t>
+            </a:r>
+            <a:r>
+              <a:rPr lang="pt-BR" sz="1800" dirty="0" err="1"/>
+              <a:t>is</a:t>
+            </a:r>
+            <a:r>
+              <a:rPr lang="pt-BR" sz="1800" dirty="0"/>
+              <a:t> fine</a:t>
+            </a:r>
+          </a:p>
+          <a:p>
+            <a:r>
+              <a:rPr lang="pt-BR" sz="1800" dirty="0"/>
+              <a:t>2: JSON </a:t>
+            </a:r>
+            <a:r>
+              <a:rPr lang="pt-BR" sz="1800" dirty="0" err="1"/>
+              <a:t>error</a:t>
+            </a:r>
+            <a:r>
+              <a:rPr lang="pt-BR" sz="1800" dirty="0"/>
+              <a:t>. The </a:t>
+            </a:r>
+            <a:r>
+              <a:rPr lang="pt-BR" sz="1800" dirty="0" err="1"/>
+              <a:t>format</a:t>
+            </a:r>
+            <a:r>
+              <a:rPr lang="pt-BR" sz="1800" dirty="0"/>
+              <a:t> </a:t>
+            </a:r>
+            <a:r>
+              <a:rPr lang="pt-BR" sz="1800" dirty="0" err="1"/>
+              <a:t>sent</a:t>
+            </a:r>
+            <a:r>
+              <a:rPr lang="pt-BR" sz="1800" dirty="0"/>
+              <a:t> </a:t>
+            </a:r>
+            <a:r>
+              <a:rPr lang="pt-BR" sz="1800" dirty="0" err="1"/>
+              <a:t>to</a:t>
+            </a:r>
+            <a:r>
+              <a:rPr lang="pt-BR" sz="1800" dirty="0"/>
+              <a:t> </a:t>
+            </a:r>
+            <a:r>
+              <a:rPr lang="pt-BR" sz="1800" dirty="0" err="1"/>
+              <a:t>the</a:t>
+            </a:r>
+            <a:r>
+              <a:rPr lang="pt-BR" sz="1800" dirty="0"/>
+              <a:t> </a:t>
+            </a:r>
+            <a:r>
+              <a:rPr lang="pt-BR" sz="1800" dirty="0" err="1"/>
+              <a:t>simulation</a:t>
+            </a:r>
+            <a:r>
+              <a:rPr lang="pt-BR" sz="1800" dirty="0"/>
+              <a:t> does </a:t>
+            </a:r>
+            <a:r>
+              <a:rPr lang="pt-BR" sz="1800" dirty="0" err="1"/>
+              <a:t>not</a:t>
+            </a:r>
+            <a:r>
+              <a:rPr lang="pt-BR" sz="1800" dirty="0"/>
+              <a:t> </a:t>
+            </a:r>
+            <a:r>
+              <a:rPr lang="pt-BR" sz="1800" dirty="0" err="1"/>
+              <a:t>correspond</a:t>
+            </a:r>
+            <a:r>
+              <a:rPr lang="pt-BR" sz="1800" dirty="0"/>
+              <a:t> </a:t>
+            </a:r>
+            <a:r>
+              <a:rPr lang="pt-BR" sz="1800" dirty="0" err="1"/>
+              <a:t>to</a:t>
+            </a:r>
+            <a:r>
+              <a:rPr lang="pt-BR" sz="1800" dirty="0"/>
+              <a:t> JSON </a:t>
+            </a:r>
+            <a:r>
+              <a:rPr lang="pt-BR" sz="1800" dirty="0" err="1"/>
+              <a:t>of</a:t>
+            </a:r>
+            <a:r>
+              <a:rPr lang="pt-BR" sz="1800" dirty="0"/>
+              <a:t> </a:t>
+            </a:r>
+            <a:r>
+              <a:rPr lang="pt-BR" sz="1800" dirty="0" err="1"/>
+              <a:t>has</a:t>
+            </a:r>
+            <a:r>
+              <a:rPr lang="pt-BR" sz="1800" dirty="0"/>
+              <a:t> some erros in it.</a:t>
+            </a:r>
+          </a:p>
+          <a:p>
+            <a:r>
+              <a:rPr lang="pt-BR" sz="1800" dirty="0"/>
+              <a:t>3: </a:t>
+            </a:r>
+            <a:r>
+              <a:rPr lang="pt-BR" sz="1800" dirty="0" err="1"/>
+              <a:t>Wrong</a:t>
+            </a:r>
+            <a:r>
+              <a:rPr lang="pt-BR" sz="1800" dirty="0"/>
+              <a:t> data. </a:t>
+            </a:r>
+            <a:r>
+              <a:rPr lang="pt-BR" sz="1800" dirty="0" err="1"/>
+              <a:t>Required</a:t>
+            </a:r>
+            <a:r>
+              <a:rPr lang="pt-BR" sz="1800" dirty="0"/>
+              <a:t> </a:t>
+            </a:r>
+            <a:r>
+              <a:rPr lang="pt-BR" sz="1800" dirty="0" err="1"/>
+              <a:t>keys</a:t>
+            </a:r>
+            <a:r>
+              <a:rPr lang="pt-BR" sz="1800" dirty="0"/>
+              <a:t> are </a:t>
+            </a:r>
+            <a:r>
+              <a:rPr lang="pt-BR" sz="1800" dirty="0" err="1"/>
+              <a:t>probably</a:t>
+            </a:r>
+            <a:r>
+              <a:rPr lang="pt-BR" sz="1800" dirty="0"/>
+              <a:t> </a:t>
+            </a:r>
+            <a:r>
+              <a:rPr lang="pt-BR" sz="1800" dirty="0" err="1"/>
+              <a:t>missing</a:t>
+            </a:r>
+            <a:r>
+              <a:rPr lang="pt-BR" sz="1800" dirty="0"/>
+              <a:t>.</a:t>
+            </a:r>
+          </a:p>
+          <a:p>
+            <a:r>
+              <a:rPr lang="pt-BR" sz="1800" dirty="0"/>
+              <a:t>4: </a:t>
+            </a:r>
+            <a:r>
+              <a:rPr lang="pt-BR" sz="1800" dirty="0" err="1"/>
+              <a:t>Wrong</a:t>
+            </a:r>
+            <a:r>
+              <a:rPr lang="pt-BR" sz="1800" dirty="0"/>
+              <a:t> </a:t>
+            </a:r>
+            <a:r>
+              <a:rPr lang="pt-BR" sz="1800" dirty="0" err="1"/>
+              <a:t>information</a:t>
+            </a:r>
+            <a:r>
+              <a:rPr lang="pt-BR" sz="1800" dirty="0"/>
+              <a:t>. The </a:t>
+            </a:r>
+            <a:r>
+              <a:rPr lang="pt-BR" sz="1800" dirty="0" err="1"/>
+              <a:t>object</a:t>
+            </a:r>
+            <a:r>
+              <a:rPr lang="pt-BR" sz="1800" dirty="0"/>
+              <a:t> </a:t>
+            </a:r>
+            <a:r>
+              <a:rPr lang="pt-BR" sz="1800" dirty="0" err="1"/>
+              <a:t>sent</a:t>
+            </a:r>
+            <a:r>
+              <a:rPr lang="pt-BR" sz="1800" dirty="0"/>
+              <a:t> </a:t>
+            </a:r>
+            <a:r>
+              <a:rPr lang="pt-BR" sz="1800" dirty="0" err="1"/>
+              <a:t>probably</a:t>
+            </a:r>
+            <a:r>
+              <a:rPr lang="pt-BR" sz="1800" dirty="0"/>
+              <a:t> </a:t>
+            </a:r>
+            <a:r>
+              <a:rPr lang="pt-BR" sz="1800" dirty="0" err="1"/>
+              <a:t>is</a:t>
+            </a:r>
+            <a:r>
+              <a:rPr lang="pt-BR" sz="1800" dirty="0"/>
+              <a:t> </a:t>
+            </a:r>
+            <a:r>
+              <a:rPr lang="pt-BR" sz="1800" dirty="0" err="1"/>
+              <a:t>not</a:t>
+            </a:r>
+            <a:r>
+              <a:rPr lang="pt-BR" sz="1800" dirty="0"/>
+              <a:t> </a:t>
+            </a:r>
+            <a:r>
+              <a:rPr lang="pt-BR" sz="1800" dirty="0" err="1"/>
+              <a:t>the</a:t>
+            </a:r>
+            <a:r>
+              <a:rPr lang="pt-BR" sz="1800" dirty="0"/>
+              <a:t> </a:t>
+            </a:r>
+            <a:r>
+              <a:rPr lang="pt-BR" sz="1800" dirty="0" err="1"/>
+              <a:t>correct</a:t>
+            </a:r>
+            <a:r>
+              <a:rPr lang="pt-BR" sz="1800" dirty="0"/>
+              <a:t> </a:t>
+            </a:r>
+            <a:r>
+              <a:rPr lang="pt-BR" sz="1800" dirty="0" err="1"/>
+              <a:t>type</a:t>
+            </a:r>
+            <a:r>
+              <a:rPr lang="pt-BR" sz="1800" dirty="0"/>
+              <a:t>, </a:t>
+            </a:r>
+            <a:r>
+              <a:rPr lang="pt-BR" sz="1800" dirty="0" err="1"/>
+              <a:t>neede</a:t>
+            </a:r>
+            <a:r>
+              <a:rPr lang="pt-BR" sz="1800" dirty="0"/>
+              <a:t> </a:t>
+            </a:r>
+            <a:r>
+              <a:rPr lang="pt-BR" sz="1800" dirty="0" err="1"/>
+              <a:t>dictionary</a:t>
+            </a:r>
+            <a:r>
+              <a:rPr lang="pt-BR" sz="1800" dirty="0"/>
+              <a:t> </a:t>
+            </a:r>
+            <a:r>
+              <a:rPr lang="pt-BR" sz="1800" dirty="0" err="1"/>
+              <a:t>and</a:t>
+            </a:r>
+            <a:r>
+              <a:rPr lang="pt-BR" sz="1800" dirty="0"/>
+              <a:t> </a:t>
+            </a:r>
+            <a:r>
+              <a:rPr lang="pt-BR" sz="1800" dirty="0" err="1"/>
+              <a:t>received</a:t>
+            </a:r>
+            <a:r>
+              <a:rPr lang="pt-BR" sz="1800" dirty="0"/>
+              <a:t> a </a:t>
+            </a:r>
+            <a:r>
+              <a:rPr lang="pt-BR" sz="1800" dirty="0" err="1"/>
+              <a:t>list</a:t>
+            </a:r>
+            <a:r>
+              <a:rPr lang="pt-BR" sz="1800" dirty="0"/>
+              <a:t>, for </a:t>
+            </a:r>
+            <a:r>
+              <a:rPr lang="pt-BR" sz="1800" dirty="0" err="1"/>
+              <a:t>example</a:t>
+            </a:r>
+            <a:r>
+              <a:rPr lang="pt-BR" sz="1800" dirty="0"/>
+              <a:t>.</a:t>
+            </a:r>
+          </a:p>
+          <a:p>
+            <a:r>
+              <a:rPr lang="pt-BR" sz="1800" dirty="0"/>
+              <a:t>5: </a:t>
+            </a:r>
+            <a:r>
+              <a:rPr lang="pt-BR" sz="1800" dirty="0" err="1"/>
+              <a:t>Wrong</a:t>
+            </a:r>
+            <a:r>
+              <a:rPr lang="pt-BR" sz="1800" dirty="0"/>
+              <a:t> </a:t>
+            </a:r>
+            <a:r>
+              <a:rPr lang="pt-BR" sz="1800" dirty="0" err="1"/>
+              <a:t>conditions</a:t>
+            </a:r>
+            <a:r>
+              <a:rPr lang="pt-BR" sz="1800" dirty="0"/>
+              <a:t>. The agente </a:t>
+            </a:r>
+            <a:r>
+              <a:rPr lang="pt-BR" sz="1800" dirty="0" err="1"/>
+              <a:t>is</a:t>
+            </a:r>
+            <a:r>
+              <a:rPr lang="pt-BR" sz="1800" dirty="0"/>
+              <a:t> </a:t>
+            </a:r>
+            <a:r>
+              <a:rPr lang="pt-BR" sz="1800" dirty="0" err="1"/>
+              <a:t>trying</a:t>
+            </a:r>
+            <a:r>
+              <a:rPr lang="pt-BR" sz="1800" dirty="0"/>
+              <a:t> </a:t>
+            </a:r>
+            <a:r>
+              <a:rPr lang="pt-BR" sz="1800" dirty="0" err="1"/>
+              <a:t>to</a:t>
+            </a:r>
+            <a:r>
+              <a:rPr lang="pt-BR" sz="1800" dirty="0"/>
+              <a:t> </a:t>
+            </a:r>
+            <a:r>
+              <a:rPr lang="pt-BR" sz="1800" dirty="0" err="1"/>
+              <a:t>connect</a:t>
+            </a:r>
+            <a:r>
+              <a:rPr lang="pt-BR" sz="1800" dirty="0"/>
+              <a:t>, </a:t>
+            </a:r>
+            <a:r>
+              <a:rPr lang="pt-BR" sz="1800" dirty="0" err="1"/>
+              <a:t>but</a:t>
+            </a:r>
+            <a:r>
+              <a:rPr lang="pt-BR" sz="1800" dirty="0"/>
+              <a:t> </a:t>
+            </a:r>
+            <a:r>
+              <a:rPr lang="pt-BR" sz="1800" dirty="0" err="1"/>
+              <a:t>the</a:t>
+            </a:r>
+            <a:r>
+              <a:rPr lang="pt-BR" sz="1800" dirty="0"/>
+              <a:t> </a:t>
+            </a:r>
+            <a:r>
+              <a:rPr lang="pt-BR" sz="1800" dirty="0" err="1"/>
+              <a:t>simulation</a:t>
+            </a:r>
+            <a:r>
+              <a:rPr lang="pt-BR" sz="1800" dirty="0"/>
+              <a:t> </a:t>
+            </a:r>
+            <a:r>
+              <a:rPr lang="pt-BR" sz="1800" dirty="0" err="1"/>
+              <a:t>has</a:t>
+            </a:r>
+            <a:r>
+              <a:rPr lang="pt-BR" sz="1800" dirty="0"/>
+              <a:t> </a:t>
+            </a:r>
+            <a:r>
+              <a:rPr lang="pt-BR" sz="1800" dirty="0" err="1"/>
+              <a:t>not</a:t>
+            </a:r>
+            <a:r>
+              <a:rPr lang="pt-BR" sz="1800" dirty="0"/>
+              <a:t> </a:t>
+            </a:r>
+            <a:r>
+              <a:rPr lang="pt-BR" sz="1800" dirty="0" err="1"/>
+              <a:t>started</a:t>
+            </a:r>
+            <a:r>
+              <a:rPr lang="pt-BR" sz="1800" dirty="0"/>
+              <a:t>.</a:t>
+            </a:r>
+          </a:p>
+          <a:p>
+            <a:r>
+              <a:rPr lang="pt-BR" sz="1800" dirty="0"/>
+              <a:t>6: </a:t>
+            </a:r>
+            <a:r>
+              <a:rPr lang="pt-BR" sz="1800" dirty="0" err="1"/>
+              <a:t>Simulation</a:t>
+            </a:r>
+            <a:r>
+              <a:rPr lang="pt-BR" sz="1800" dirty="0"/>
+              <a:t> </a:t>
+            </a:r>
+            <a:r>
+              <a:rPr lang="pt-BR" sz="1800" u="sng" dirty="0" err="1"/>
+              <a:t>not</a:t>
+            </a:r>
+            <a:r>
+              <a:rPr lang="pt-BR" sz="1800" dirty="0"/>
+              <a:t> online. </a:t>
+            </a:r>
+            <a:r>
+              <a:rPr lang="pt-BR" sz="1800" dirty="0" err="1"/>
+              <a:t>Either</a:t>
+            </a:r>
+            <a:r>
+              <a:rPr lang="pt-BR" sz="1800" dirty="0"/>
+              <a:t> some </a:t>
+            </a:r>
+            <a:r>
+              <a:rPr lang="pt-BR" sz="1800" dirty="0" err="1"/>
+              <a:t>internal</a:t>
+            </a:r>
+            <a:r>
+              <a:rPr lang="pt-BR" sz="1800" dirty="0"/>
+              <a:t> </a:t>
+            </a:r>
+            <a:r>
+              <a:rPr lang="pt-BR" sz="1800" dirty="0" err="1"/>
+              <a:t>error</a:t>
+            </a:r>
+            <a:r>
+              <a:rPr lang="pt-BR" sz="1800" dirty="0"/>
+              <a:t> </a:t>
+            </a:r>
+            <a:r>
+              <a:rPr lang="pt-BR" sz="1800" dirty="0" err="1"/>
+              <a:t>occurred</a:t>
+            </a:r>
+            <a:r>
+              <a:rPr lang="pt-BR" sz="1800" dirty="0"/>
+              <a:t> </a:t>
+            </a:r>
+            <a:r>
+              <a:rPr lang="pt-BR" sz="1800" dirty="0" err="1"/>
+              <a:t>at</a:t>
+            </a:r>
+            <a:r>
+              <a:rPr lang="pt-BR" sz="1800" dirty="0"/>
+              <a:t> </a:t>
+            </a:r>
+            <a:r>
+              <a:rPr lang="pt-BR" sz="1800" dirty="0" err="1"/>
+              <a:t>the</a:t>
+            </a:r>
+            <a:r>
+              <a:rPr lang="pt-BR" sz="1800" dirty="0"/>
+              <a:t> </a:t>
+            </a:r>
+            <a:r>
+              <a:rPr lang="pt-BR" sz="1800" dirty="0" err="1"/>
+              <a:t>simulation</a:t>
+            </a:r>
+            <a:r>
+              <a:rPr lang="pt-BR" sz="1800" dirty="0"/>
+              <a:t> </a:t>
+            </a:r>
+            <a:r>
+              <a:rPr lang="pt-BR" sz="1800" dirty="0" err="1"/>
+              <a:t>or</a:t>
+            </a:r>
+            <a:r>
+              <a:rPr lang="pt-BR" sz="1800" dirty="0"/>
+              <a:t> it </a:t>
+            </a:r>
+            <a:r>
+              <a:rPr lang="pt-BR" sz="1800" dirty="0" err="1"/>
+              <a:t>is</a:t>
+            </a:r>
+            <a:r>
+              <a:rPr lang="pt-BR" sz="1800" dirty="0"/>
+              <a:t> </a:t>
+            </a:r>
+            <a:r>
+              <a:rPr lang="pt-BR" sz="1800" dirty="0" err="1"/>
+              <a:t>just</a:t>
+            </a:r>
+            <a:r>
+              <a:rPr lang="pt-BR" sz="1800" dirty="0"/>
+              <a:t> </a:t>
+            </a:r>
+            <a:r>
+              <a:rPr lang="pt-BR" sz="1800" dirty="0" err="1"/>
+              <a:t>loading</a:t>
+            </a:r>
+            <a:r>
+              <a:rPr lang="pt-BR" sz="1800" dirty="0"/>
+              <a:t> </a:t>
+            </a:r>
+            <a:r>
+              <a:rPr lang="pt-BR" sz="1800" dirty="0" err="1"/>
+              <a:t>the</a:t>
+            </a:r>
+            <a:r>
+              <a:rPr lang="pt-BR" sz="1800" dirty="0"/>
+              <a:t> </a:t>
+            </a:r>
+            <a:r>
+              <a:rPr lang="pt-BR" sz="1800" dirty="0" err="1"/>
+              <a:t>configurations</a:t>
+            </a:r>
+            <a:r>
+              <a:rPr lang="pt-BR" sz="1800" dirty="0"/>
+              <a:t>.</a:t>
+            </a:r>
+          </a:p>
+        </p:txBody>
+      </p:sp>
+    </p:spTree>
+    <p:extLst>
+      <p:ext uri="{BB962C8B-B14F-4D97-AF65-F5344CB8AC3E}">
+        <p14:creationId xmlns:p14="http://schemas.microsoft.com/office/powerpoint/2010/main" val="1293237499"/>
       </p:ext>
     </p:extLst>
   </p:cSld>
